--- a/Project9_第三組_小組報告/Project9_第三組_小組報告.pptx
+++ b/Project9_第三組_小組報告/Project9_第三組_小組報告.pptx
@@ -718,7 +718,7 @@
           <a:p>
             <a:fld id="{6B19A529-55D4-4564-870F-7E1F5FE8EC0E}" type="datetimeFigureOut">
               <a:rPr lang="zh-TW" altLang="en-US" smtClean="0"/>
-              <a:t>2021/6/5</a:t>
+              <a:t>2021/6/11</a:t>
             </a:fld>
             <a:endParaRPr lang="zh-TW" altLang="en-US"/>
           </a:p>
@@ -1211,7 +1211,7 @@
           <a:p>
             <a:fld id="{CB1A9A4B-8109-4FCA-A4B8-DC1246F1A173}" type="datetimeFigureOut">
               <a:rPr lang="zh-TW" altLang="en-US" smtClean="0"/>
-              <a:t>2021/6/5</a:t>
+              <a:t>2021/6/11</a:t>
             </a:fld>
             <a:endParaRPr lang="zh-TW" altLang="en-US"/>
           </a:p>
@@ -1419,7 +1419,7 @@
           <a:p>
             <a:fld id="{CB1A9A4B-8109-4FCA-A4B8-DC1246F1A173}" type="datetimeFigureOut">
               <a:rPr lang="zh-TW" altLang="en-US" smtClean="0"/>
-              <a:t>2021/6/5</a:t>
+              <a:t>2021/6/11</a:t>
             </a:fld>
             <a:endParaRPr lang="zh-TW" altLang="en-US"/>
           </a:p>
@@ -1675,7 +1675,7 @@
           <a:p>
             <a:fld id="{CB1A9A4B-8109-4FCA-A4B8-DC1246F1A173}" type="datetimeFigureOut">
               <a:rPr lang="zh-TW" altLang="en-US" smtClean="0"/>
-              <a:t>2021/6/5</a:t>
+              <a:t>2021/6/11</a:t>
             </a:fld>
             <a:endParaRPr lang="zh-TW" altLang="en-US"/>
           </a:p>
@@ -1845,7 +1845,7 @@
           <a:p>
             <a:fld id="{CB1A9A4B-8109-4FCA-A4B8-DC1246F1A173}" type="datetimeFigureOut">
               <a:rPr lang="zh-TW" altLang="en-US" smtClean="0"/>
-              <a:t>2021/6/5</a:t>
+              <a:t>2021/6/11</a:t>
             </a:fld>
             <a:endParaRPr lang="zh-TW" altLang="en-US"/>
           </a:p>
@@ -2188,7 +2188,7 @@
           <a:p>
             <a:fld id="{CB1A9A4B-8109-4FCA-A4B8-DC1246F1A173}" type="datetimeFigureOut">
               <a:rPr lang="zh-TW" altLang="en-US" smtClean="0"/>
-              <a:t>2021/6/5</a:t>
+              <a:t>2021/6/11</a:t>
             </a:fld>
             <a:endParaRPr lang="zh-TW" altLang="en-US"/>
           </a:p>
@@ -2463,7 +2463,7 @@
           <a:p>
             <a:fld id="{CB1A9A4B-8109-4FCA-A4B8-DC1246F1A173}" type="datetimeFigureOut">
               <a:rPr lang="zh-TW" altLang="en-US" smtClean="0"/>
-              <a:t>2021/6/5</a:t>
+              <a:t>2021/6/11</a:t>
             </a:fld>
             <a:endParaRPr lang="zh-TW" altLang="en-US"/>
           </a:p>
@@ -2842,7 +2842,7 @@
           <a:p>
             <a:fld id="{CB1A9A4B-8109-4FCA-A4B8-DC1246F1A173}" type="datetimeFigureOut">
               <a:rPr lang="zh-TW" altLang="en-US" smtClean="0"/>
-              <a:t>2021/6/5</a:t>
+              <a:t>2021/6/11</a:t>
             </a:fld>
             <a:endParaRPr lang="zh-TW" altLang="en-US"/>
           </a:p>
@@ -2960,7 +2960,7 @@
           <a:p>
             <a:fld id="{CB1A9A4B-8109-4FCA-A4B8-DC1246F1A173}" type="datetimeFigureOut">
               <a:rPr lang="zh-TW" altLang="en-US" smtClean="0"/>
-              <a:t>2021/6/5</a:t>
+              <a:t>2021/6/11</a:t>
             </a:fld>
             <a:endParaRPr lang="zh-TW" altLang="en-US"/>
           </a:p>
@@ -3131,7 +3131,7 @@
           <a:p>
             <a:fld id="{CB1A9A4B-8109-4FCA-A4B8-DC1246F1A173}" type="datetimeFigureOut">
               <a:rPr lang="zh-TW" altLang="en-US" smtClean="0"/>
-              <a:t>2021/6/5</a:t>
+              <a:t>2021/6/11</a:t>
             </a:fld>
             <a:endParaRPr lang="zh-TW" altLang="en-US"/>
           </a:p>
@@ -3485,7 +3485,7 @@
           <a:p>
             <a:fld id="{CB1A9A4B-8109-4FCA-A4B8-DC1246F1A173}" type="datetimeFigureOut">
               <a:rPr lang="zh-TW" altLang="en-US" smtClean="0"/>
-              <a:t>2021/6/5</a:t>
+              <a:t>2021/6/11</a:t>
             </a:fld>
             <a:endParaRPr lang="zh-TW" altLang="en-US"/>
           </a:p>
@@ -3862,7 +3862,7 @@
           <a:p>
             <a:fld id="{CB1A9A4B-8109-4FCA-A4B8-DC1246F1A173}" type="datetimeFigureOut">
               <a:rPr lang="zh-TW" altLang="en-US" smtClean="0"/>
-              <a:t>2021/6/5</a:t>
+              <a:t>2021/6/11</a:t>
             </a:fld>
             <a:endParaRPr lang="zh-TW" altLang="en-US"/>
           </a:p>
@@ -4149,7 +4149,7 @@
           <a:p>
             <a:fld id="{CB1A9A4B-8109-4FCA-A4B8-DC1246F1A173}" type="datetimeFigureOut">
               <a:rPr lang="zh-TW" altLang="en-US" smtClean="0"/>
-              <a:t>2021/6/5</a:t>
+              <a:t>2021/6/11</a:t>
             </a:fld>
             <a:endParaRPr lang="zh-TW" altLang="en-US"/>
           </a:p>
@@ -4877,54 +4877,467 @@
           </a:bodyPr>
           <a:lstStyle/>
           <a:p>
+            <a:r>
+              <a:rPr lang="zh-TW" altLang="en-US" sz="2000" dirty="0" smtClean="0">
+                <a:latin typeface="微軟正黑體" panose="020B0604030504040204" pitchFamily="34" charset="-120"/>
+                <a:ea typeface="微軟正黑體" panose="020B0604030504040204" pitchFamily="34" charset="-120"/>
+              </a:rPr>
+              <a:t>一開始未調整參數時直接執行，大概執行了五小時，但只訓練了四分之一</a:t>
+            </a:r>
+            <a:r>
+              <a:rPr lang="en-US" altLang="zh-TW" sz="2000" dirty="0" smtClean="0">
+                <a:latin typeface="微軟正黑體" panose="020B0604030504040204" pitchFamily="34" charset="-120"/>
+                <a:ea typeface="微軟正黑體" panose="020B0604030504040204" pitchFamily="34" charset="-120"/>
+              </a:rPr>
+              <a:t>(</a:t>
+            </a:r>
+            <a:r>
+              <a:rPr lang="zh-TW" altLang="en-US" sz="2000" dirty="0" smtClean="0">
+                <a:latin typeface="微軟正黑體" panose="020B0604030504040204" pitchFamily="34" charset="-120"/>
+                <a:ea typeface="微軟正黑體" panose="020B0604030504040204" pitchFamily="34" charset="-120"/>
+              </a:rPr>
+              <a:t>總數量顯示超過</a:t>
+            </a:r>
+            <a:r>
+              <a:rPr lang="en-US" altLang="zh-TW" sz="2000" dirty="0" smtClean="0">
+                <a:latin typeface="微軟正黑體" panose="020B0604030504040204" pitchFamily="34" charset="-120"/>
+                <a:ea typeface="微軟正黑體" panose="020B0604030504040204" pitchFamily="34" charset="-120"/>
+              </a:rPr>
+              <a:t>10</a:t>
+            </a:r>
+            <a:r>
+              <a:rPr lang="zh-TW" altLang="en-US" sz="2000" dirty="0" smtClean="0">
+                <a:latin typeface="微軟正黑體" panose="020B0604030504040204" pitchFamily="34" charset="-120"/>
+                <a:ea typeface="微軟正黑體" panose="020B0604030504040204" pitchFamily="34" charset="-120"/>
+              </a:rPr>
+              <a:t>萬筆，</a:t>
+            </a:r>
+            <a:r>
+              <a:rPr lang="en-US" altLang="zh-TW" sz="2000" dirty="0" smtClean="0">
+                <a:latin typeface="微軟正黑體" panose="020B0604030504040204" pitchFamily="34" charset="-120"/>
+                <a:ea typeface="微軟正黑體" panose="020B0604030504040204" pitchFamily="34" charset="-120"/>
+              </a:rPr>
+              <a:t> </a:t>
+            </a:r>
+            <a:r>
+              <a:rPr lang="zh-TW" altLang="en-US" sz="2000" dirty="0" smtClean="0">
+                <a:latin typeface="微軟正黑體" panose="020B0604030504040204" pitchFamily="34" charset="-120"/>
+                <a:ea typeface="微軟正黑體" panose="020B0604030504040204" pitchFamily="34" charset="-120"/>
+              </a:rPr>
+              <a:t>我訓練至</a:t>
+            </a:r>
+            <a:r>
+              <a:rPr lang="en-US" altLang="zh-TW" sz="2000" dirty="0" smtClean="0">
+                <a:latin typeface="微軟正黑體" panose="020B0604030504040204" pitchFamily="34" charset="-120"/>
+                <a:ea typeface="微軟正黑體" panose="020B0604030504040204" pitchFamily="34" charset="-120"/>
+              </a:rPr>
+              <a:t>18759/107280 </a:t>
+            </a:r>
+            <a:r>
+              <a:rPr lang="en-US" altLang="zh-TW" sz="2000" dirty="0">
+                <a:latin typeface="微軟正黑體" panose="020B0604030504040204" pitchFamily="34" charset="-120"/>
+                <a:ea typeface="微軟正黑體" panose="020B0604030504040204" pitchFamily="34" charset="-120"/>
+              </a:rPr>
+              <a:t>(epoch 5</a:t>
+            </a:r>
+            <a:r>
+              <a:rPr lang="en-US" altLang="zh-TW" sz="2000" dirty="0" smtClean="0">
+                <a:latin typeface="微軟正黑體" panose="020B0604030504040204" pitchFamily="34" charset="-120"/>
+                <a:ea typeface="微軟正黑體" panose="020B0604030504040204" pitchFamily="34" charset="-120"/>
+              </a:rPr>
+              <a:t>)</a:t>
+            </a:r>
+            <a:r>
+              <a:rPr lang="zh-TW" altLang="en-US" sz="2000" dirty="0" smtClean="0">
+                <a:latin typeface="微軟正黑體" panose="020B0604030504040204" pitchFamily="34" charset="-120"/>
+                <a:ea typeface="微軟正黑體" panose="020B0604030504040204" pitchFamily="34" charset="-120"/>
+              </a:rPr>
+              <a:t>停下</a:t>
+            </a:r>
+            <a:r>
+              <a:rPr lang="en-US" altLang="zh-TW" sz="2000" dirty="0" smtClean="0">
+                <a:latin typeface="微軟正黑體" panose="020B0604030504040204" pitchFamily="34" charset="-120"/>
+                <a:ea typeface="微軟正黑體" panose="020B0604030504040204" pitchFamily="34" charset="-120"/>
+              </a:rPr>
+              <a:t>)</a:t>
+            </a:r>
+            <a:r>
+              <a:rPr lang="zh-TW" altLang="en-US" sz="2000" dirty="0" smtClean="0">
+                <a:latin typeface="微軟正黑體" panose="020B0604030504040204" pitchFamily="34" charset="-120"/>
+                <a:ea typeface="微軟正黑體" panose="020B0604030504040204" pitchFamily="34" charset="-120"/>
+              </a:rPr>
+              <a:t>，發現這樣一定訓練不完</a:t>
+            </a:r>
+            <a:r>
+              <a:rPr lang="zh-TW" altLang="en-US" dirty="0" smtClean="0">
+                <a:latin typeface="微軟正黑體" panose="020B0604030504040204" pitchFamily="34" charset="-120"/>
+                <a:ea typeface="微軟正黑體" panose="020B0604030504040204" pitchFamily="34" charset="-120"/>
+              </a:rPr>
+              <a:t>，因為</a:t>
+            </a:r>
+            <a:r>
+              <a:rPr lang="en-US" altLang="zh-TW" dirty="0" err="1" smtClean="0">
+                <a:latin typeface="微軟正黑體" panose="020B0604030504040204" pitchFamily="34" charset="-120"/>
+                <a:ea typeface="微軟正黑體" panose="020B0604030504040204" pitchFamily="34" charset="-120"/>
+              </a:rPr>
+              <a:t>colab</a:t>
+            </a:r>
+            <a:r>
+              <a:rPr lang="zh-TW" altLang="en-US" dirty="0" smtClean="0">
+                <a:latin typeface="微軟正黑體" panose="020B0604030504040204" pitchFamily="34" charset="-120"/>
+                <a:ea typeface="微軟正黑體" panose="020B0604030504040204" pitchFamily="34" charset="-120"/>
+              </a:rPr>
+              <a:t>只能訓練</a:t>
+            </a:r>
+            <a:r>
+              <a:rPr lang="en-US" altLang="zh-TW" dirty="0" smtClean="0">
+                <a:latin typeface="微軟正黑體" panose="020B0604030504040204" pitchFamily="34" charset="-120"/>
+                <a:ea typeface="微軟正黑體" panose="020B0604030504040204" pitchFamily="34" charset="-120"/>
+              </a:rPr>
+              <a:t>12</a:t>
+            </a:r>
+            <a:r>
+              <a:rPr lang="zh-TW" altLang="en-US" dirty="0" smtClean="0">
+                <a:latin typeface="微軟正黑體" panose="020B0604030504040204" pitchFamily="34" charset="-120"/>
+                <a:ea typeface="微軟正黑體" panose="020B0604030504040204" pitchFamily="34" charset="-120"/>
+              </a:rPr>
+              <a:t>小時，</a:t>
+            </a:r>
+            <a:r>
+              <a:rPr lang="zh-TW" altLang="en-US" sz="2000" dirty="0" smtClean="0">
+                <a:latin typeface="微軟正黑體" panose="020B0604030504040204" pitchFamily="34" charset="-120"/>
+                <a:ea typeface="微軟正黑體" panose="020B0604030504040204" pitchFamily="34" charset="-120"/>
+              </a:rPr>
+              <a:t>所以只好先中斷執行研究怎麼讓資料集變少，但還是存下了當下的</a:t>
+            </a:r>
+            <a:r>
+              <a:rPr lang="en-US" altLang="zh-TW" sz="2000" dirty="0" smtClean="0">
+                <a:latin typeface="微軟正黑體" panose="020B0604030504040204" pitchFamily="34" charset="-120"/>
+                <a:ea typeface="微軟正黑體" panose="020B0604030504040204" pitchFamily="34" charset="-120"/>
+              </a:rPr>
+              <a:t>.tar</a:t>
+            </a:r>
+            <a:r>
+              <a:rPr lang="zh-TW" altLang="en-US" sz="2000" dirty="0" smtClean="0">
+                <a:latin typeface="微軟正黑體" panose="020B0604030504040204" pitchFamily="34" charset="-120"/>
+                <a:ea typeface="微軟正黑體" panose="020B0604030504040204" pitchFamily="34" charset="-120"/>
+              </a:rPr>
+              <a:t>檔還有可視化驗證資料，先試試訓練的成果，</a:t>
+            </a:r>
+            <a:endParaRPr lang="en-US" altLang="zh-TW" sz="2000" dirty="0" smtClean="0">
+              <a:latin typeface="微軟正黑體" panose="020B0604030504040204" pitchFamily="34" charset="-120"/>
+              <a:ea typeface="微軟正黑體" panose="020B0604030504040204" pitchFamily="34" charset="-120"/>
+            </a:endParaRPr>
+          </a:p>
+          <a:p>
+            <a:r>
+              <a:rPr lang="zh-TW" altLang="en-US" sz="2000" dirty="0" smtClean="0">
+                <a:latin typeface="微軟正黑體" panose="020B0604030504040204" pitchFamily="34" charset="-120"/>
+                <a:ea typeface="微軟正黑體" panose="020B0604030504040204" pitchFamily="34" charset="-120"/>
+              </a:rPr>
+              <a:t>原本以為是註解</a:t>
+            </a:r>
+            <a:r>
+              <a:rPr lang="en-US" altLang="zh-TW" sz="2000" dirty="0" err="1" smtClean="0">
+                <a:latin typeface="微軟正黑體" panose="020B0604030504040204" pitchFamily="34" charset="-120"/>
+                <a:ea typeface="微軟正黑體" panose="020B0604030504040204" pitchFamily="34" charset="-120"/>
+              </a:rPr>
+              <a:t>utils</a:t>
+            </a:r>
+            <a:r>
+              <a:rPr lang="zh-TW" altLang="en-US" sz="2000" dirty="0" smtClean="0">
+                <a:latin typeface="微軟正黑體" panose="020B0604030504040204" pitchFamily="34" charset="-120"/>
+                <a:ea typeface="微軟正黑體" panose="020B0604030504040204" pitchFamily="34" charset="-120"/>
+              </a:rPr>
+              <a:t>的</a:t>
+            </a:r>
+            <a:r>
+              <a:rPr lang="en-US" altLang="zh-TW" sz="2000" dirty="0" smtClean="0">
+                <a:latin typeface="微軟正黑體" panose="020B0604030504040204" pitchFamily="34" charset="-120"/>
+                <a:ea typeface="微軟正黑體" panose="020B0604030504040204" pitchFamily="34" charset="-120"/>
+              </a:rPr>
+              <a:t>dataset</a:t>
+            </a:r>
+            <a:r>
+              <a:rPr lang="zh-TW" altLang="en-US" sz="2000" dirty="0" smtClean="0">
+                <a:latin typeface="微軟正黑體" panose="020B0604030504040204" pitchFamily="34" charset="-120"/>
+                <a:ea typeface="微軟正黑體" panose="020B0604030504040204" pitchFamily="34" charset="-120"/>
+              </a:rPr>
+              <a:t>就好，但就算註解到只剩一個</a:t>
+            </a:r>
+            <a:r>
+              <a:rPr lang="zh-TW" altLang="en-US" sz="2000" dirty="0">
+                <a:latin typeface="微軟正黑體" panose="020B0604030504040204" pitchFamily="34" charset="-120"/>
+                <a:ea typeface="微軟正黑體" panose="020B0604030504040204" pitchFamily="34" charset="-120"/>
+              </a:rPr>
+              <a:t>資料</a:t>
+            </a:r>
+            <a:r>
+              <a:rPr lang="zh-TW" altLang="en-US" sz="2000" dirty="0" smtClean="0">
+                <a:latin typeface="微軟正黑體" panose="020B0604030504040204" pitchFamily="34" charset="-120"/>
+                <a:ea typeface="微軟正黑體" panose="020B0604030504040204" pitchFamily="34" charset="-120"/>
+              </a:rPr>
+              <a:t>集，訓練的樣本數還是沒降，於是去研究</a:t>
+            </a:r>
+            <a:r>
+              <a:rPr lang="en-US" altLang="zh-TW" sz="2000" dirty="0" smtClean="0">
+                <a:latin typeface="微軟正黑體" panose="020B0604030504040204" pitchFamily="34" charset="-120"/>
+                <a:ea typeface="微軟正黑體" panose="020B0604030504040204" pitchFamily="34" charset="-120"/>
+              </a:rPr>
+              <a:t>utils.py</a:t>
+            </a:r>
+            <a:r>
+              <a:rPr lang="zh-TW" altLang="en-US" sz="2000" dirty="0" smtClean="0">
+                <a:latin typeface="微軟正黑體" panose="020B0604030504040204" pitchFamily="34" charset="-120"/>
+                <a:ea typeface="微軟正黑體" panose="020B0604030504040204" pitchFamily="34" charset="-120"/>
+              </a:rPr>
+              <a:t>的</a:t>
+            </a:r>
+            <a:r>
+              <a:rPr lang="en-US" altLang="zh-TW" sz="2000" dirty="0" smtClean="0">
+                <a:latin typeface="微軟正黑體" panose="020B0604030504040204" pitchFamily="34" charset="-120"/>
+                <a:ea typeface="微軟正黑體" panose="020B0604030504040204" pitchFamily="34" charset="-120"/>
+              </a:rPr>
+              <a:t>code</a:t>
+            </a:r>
+            <a:r>
+              <a:rPr lang="zh-TW" altLang="en-US" sz="2000" dirty="0" smtClean="0">
+                <a:latin typeface="微軟正黑體" panose="020B0604030504040204" pitchFamily="34" charset="-120"/>
+                <a:ea typeface="微軟正黑體" panose="020B0604030504040204" pitchFamily="34" charset="-120"/>
+              </a:rPr>
+              <a:t>發現他直接使用</a:t>
+            </a:r>
+            <a:r>
+              <a:rPr lang="en-US" altLang="zh-TW" sz="2000" dirty="0" err="1" smtClean="0">
+                <a:latin typeface="微軟正黑體" panose="020B0604030504040204" pitchFamily="34" charset="-120"/>
+                <a:ea typeface="微軟正黑體" panose="020B0604030504040204" pitchFamily="34" charset="-120"/>
+              </a:rPr>
+              <a:t>os</a:t>
+            </a:r>
+            <a:r>
+              <a:rPr lang="zh-TW" altLang="en-US" sz="2000" dirty="0" smtClean="0">
+                <a:latin typeface="微軟正黑體" panose="020B0604030504040204" pitchFamily="34" charset="-120"/>
+                <a:ea typeface="微軟正黑體" panose="020B0604030504040204" pitchFamily="34" charset="-120"/>
+              </a:rPr>
+              <a:t>讀</a:t>
+            </a:r>
+            <a:r>
+              <a:rPr lang="en-US" altLang="zh-TW" sz="2000" dirty="0" err="1" smtClean="0">
+                <a:latin typeface="微軟正黑體" panose="020B0604030504040204" pitchFamily="34" charset="-120"/>
+                <a:ea typeface="微軟正黑體" panose="020B0604030504040204" pitchFamily="34" charset="-120"/>
+              </a:rPr>
+              <a:t>stanford</a:t>
+            </a:r>
+            <a:r>
+              <a:rPr lang="zh-TW" altLang="en-US" sz="2000" dirty="0" smtClean="0">
+                <a:latin typeface="微軟正黑體" panose="020B0604030504040204" pitchFamily="34" charset="-120"/>
+                <a:ea typeface="微軟正黑體" panose="020B0604030504040204" pitchFamily="34" charset="-120"/>
+              </a:rPr>
+              <a:t>的整個資料夾，</a:t>
+            </a:r>
+            <a:r>
+              <a:rPr lang="en-US" altLang="zh-TW" dirty="0" err="1" smtClean="0"/>
+              <a:t>self.train_dataset</a:t>
+            </a:r>
+            <a:r>
+              <a:rPr lang="en-US" altLang="zh-TW" dirty="0"/>
+              <a:t> = </a:t>
+            </a:r>
+            <a:r>
+              <a:rPr lang="en-US" altLang="zh-TW" dirty="0" err="1"/>
+              <a:t>self.get_dataset_path</a:t>
+            </a:r>
+            <a:r>
+              <a:rPr lang="en-US" altLang="zh-TW" dirty="0"/>
+              <a:t>(</a:t>
+            </a:r>
+            <a:r>
+              <a:rPr lang="en-US" altLang="zh-TW" dirty="0" err="1"/>
+              <a:t>self.base_train_path</a:t>
+            </a:r>
+            <a:r>
+              <a:rPr lang="en-US" altLang="zh-TW" dirty="0"/>
+              <a:t>, </a:t>
+            </a:r>
+            <a:r>
+              <a:rPr lang="en-US" altLang="zh-TW" dirty="0" err="1"/>
+              <a:t>f_prefix</a:t>
+            </a:r>
+            <a:r>
+              <a:rPr lang="en-US" altLang="zh-TW" dirty="0"/>
+              <a:t>)</a:t>
+            </a:r>
+          </a:p>
+          <a:p>
+            <a:pPr marL="0" indent="0">
+              <a:buNone/>
+            </a:pPr>
+            <a:r>
+              <a:rPr lang="zh-TW" altLang="en-US" dirty="0"/>
+              <a:t> </a:t>
+            </a:r>
+            <a:r>
+              <a:rPr lang="zh-TW" altLang="en-US" dirty="0" smtClean="0"/>
+              <a:t> </a:t>
+            </a:r>
+            <a:r>
+              <a:rPr lang="en-US" altLang="zh-TW" dirty="0" err="1" smtClean="0"/>
+              <a:t>self.test_dataset</a:t>
+            </a:r>
+            <a:r>
+              <a:rPr lang="en-US" altLang="zh-TW" dirty="0"/>
+              <a:t> = </a:t>
+            </a:r>
+            <a:r>
+              <a:rPr lang="en-US" altLang="zh-TW" dirty="0" err="1"/>
+              <a:t>self.get_dataset_path</a:t>
+            </a:r>
+            <a:r>
+              <a:rPr lang="en-US" altLang="zh-TW" dirty="0"/>
+              <a:t>(</a:t>
+            </a:r>
+            <a:r>
+              <a:rPr lang="en-US" altLang="zh-TW" dirty="0" err="1"/>
+              <a:t>self.base_test_path</a:t>
+            </a:r>
+            <a:r>
+              <a:rPr lang="en-US" altLang="zh-TW" dirty="0"/>
+              <a:t>, </a:t>
+            </a:r>
+            <a:r>
+              <a:rPr lang="en-US" altLang="zh-TW" dirty="0" err="1"/>
+              <a:t>f_prefix</a:t>
+            </a:r>
+            <a:r>
+              <a:rPr lang="en-US" altLang="zh-TW" dirty="0" smtClean="0"/>
+              <a:t>)</a:t>
+            </a:r>
+          </a:p>
+          <a:p>
+            <a:pPr marL="0" indent="0">
+              <a:buNone/>
+            </a:pPr>
+            <a:r>
+              <a:rPr lang="zh-TW" altLang="en-US" dirty="0" smtClean="0">
+                <a:latin typeface="微軟正黑體" panose="020B0604030504040204" pitchFamily="34" charset="-120"/>
+                <a:ea typeface="微軟正黑體" panose="020B0604030504040204" pitchFamily="34" charset="-120"/>
+              </a:rPr>
+              <a:t>  </a:t>
+            </a:r>
+            <a:r>
+              <a:rPr lang="zh-TW" altLang="en-US" dirty="0">
+                <a:latin typeface="微軟正黑體" panose="020B0604030504040204" pitchFamily="34" charset="-120"/>
+                <a:ea typeface="微軟正黑體" panose="020B0604030504040204" pitchFamily="34" charset="-120"/>
+              </a:rPr>
+              <a:t>所以就算註解掉其他資料集，還是跑了所有樣本，於是直接在資料夾將重複名稱的樣本集刪除，才讓樣本數剩下接近</a:t>
+            </a:r>
+            <a:r>
+              <a:rPr lang="en-US" altLang="zh-TW" dirty="0">
+                <a:latin typeface="微軟正黑體" panose="020B0604030504040204" pitchFamily="34" charset="-120"/>
+                <a:ea typeface="微軟正黑體" panose="020B0604030504040204" pitchFamily="34" charset="-120"/>
+              </a:rPr>
+              <a:t>2</a:t>
+            </a:r>
+            <a:r>
+              <a:rPr lang="zh-TW" altLang="en-US" dirty="0">
+                <a:latin typeface="微軟正黑體" panose="020B0604030504040204" pitchFamily="34" charset="-120"/>
+                <a:ea typeface="微軟正黑體" panose="020B0604030504040204" pitchFamily="34" charset="-120"/>
+              </a:rPr>
+              <a:t>萬筆。</a:t>
+            </a:r>
+            <a:endParaRPr lang="en-US" altLang="zh-TW" dirty="0">
+              <a:latin typeface="微軟正黑體" panose="020B0604030504040204" pitchFamily="34" charset="-120"/>
+              <a:ea typeface="微軟正黑體" panose="020B0604030504040204" pitchFamily="34" charset="-120"/>
+            </a:endParaRPr>
+          </a:p>
+          <a:p>
+            <a:pPr marL="0" indent="0">
+              <a:buNone/>
+            </a:pPr>
+            <a:r>
+              <a:rPr lang="zh-TW" altLang="en-US" dirty="0">
+                <a:latin typeface="微軟正黑體" panose="020B0604030504040204" pitchFamily="34" charset="-120"/>
+                <a:ea typeface="微軟正黑體" panose="020B0604030504040204" pitchFamily="34" charset="-120"/>
+              </a:rPr>
+              <a:t>後來調整參數讓訓練</a:t>
+            </a:r>
+            <a:r>
+              <a:rPr lang="en-US" altLang="zh-TW" dirty="0">
+                <a:latin typeface="微軟正黑體" panose="020B0604030504040204" pitchFamily="34" charset="-120"/>
+                <a:ea typeface="微軟正黑體" panose="020B0604030504040204" pitchFamily="34" charset="-120"/>
+              </a:rPr>
+              <a:t>epoch</a:t>
+            </a:r>
+            <a:r>
+              <a:rPr lang="zh-TW" altLang="en-US" dirty="0">
+                <a:latin typeface="微軟正黑體" panose="020B0604030504040204" pitchFamily="34" charset="-120"/>
+                <a:ea typeface="微軟正黑體" panose="020B0604030504040204" pitchFamily="34" charset="-120"/>
+              </a:rPr>
+              <a:t>下降，並調整</a:t>
+            </a:r>
+            <a:r>
+              <a:rPr lang="en-US" altLang="zh-TW" dirty="0" err="1">
+                <a:latin typeface="微軟正黑體" panose="020B0604030504040204" pitchFamily="34" charset="-120"/>
+                <a:ea typeface="微軟正黑體" panose="020B0604030504040204" pitchFamily="34" charset="-120"/>
+              </a:rPr>
+              <a:t>learning_rate</a:t>
+            </a:r>
+            <a:r>
+              <a:rPr lang="en-US" altLang="zh-TW" dirty="0">
+                <a:latin typeface="微軟正黑體" panose="020B0604030504040204" pitchFamily="34" charset="-120"/>
+                <a:ea typeface="微軟正黑體" panose="020B0604030504040204" pitchFamily="34" charset="-120"/>
+              </a:rPr>
+              <a:t>, </a:t>
+            </a:r>
+            <a:r>
+              <a:rPr lang="en-US" altLang="zh-TW" dirty="0" err="1">
+                <a:latin typeface="微軟正黑體" panose="020B0604030504040204" pitchFamily="34" charset="-120"/>
+                <a:ea typeface="微軟正黑體" panose="020B0604030504040204" pitchFamily="34" charset="-120"/>
+              </a:rPr>
+              <a:t>grad_clip</a:t>
+            </a:r>
+            <a:r>
+              <a:rPr lang="en-US" altLang="zh-TW" dirty="0">
+                <a:latin typeface="微軟正黑體" panose="020B0604030504040204" pitchFamily="34" charset="-120"/>
+                <a:ea typeface="微軟正黑體" panose="020B0604030504040204" pitchFamily="34" charset="-120"/>
+              </a:rPr>
+              <a:t>, </a:t>
+            </a:r>
+            <a:r>
+              <a:rPr lang="en-US" altLang="zh-TW" dirty="0" err="1">
+                <a:latin typeface="微軟正黑體" panose="020B0604030504040204" pitchFamily="34" charset="-120"/>
+                <a:ea typeface="微軟正黑體" panose="020B0604030504040204" pitchFamily="34" charset="-120"/>
+              </a:rPr>
+              <a:t>decay_rate</a:t>
+            </a:r>
+            <a:r>
+              <a:rPr lang="zh-TW" altLang="en-US" dirty="0">
+                <a:latin typeface="微軟正黑體" panose="020B0604030504040204" pitchFamily="34" charset="-120"/>
+                <a:ea typeface="微軟正黑體" panose="020B0604030504040204" pitchFamily="34" charset="-120"/>
+              </a:rPr>
+              <a:t>發現能讓訓練總數量減少才順利將整個訓練過程跑完。</a:t>
+            </a:r>
+            <a:endParaRPr lang="en-US" altLang="zh-TW" dirty="0">
+              <a:latin typeface="微軟正黑體" panose="020B0604030504040204" pitchFamily="34" charset="-120"/>
+              <a:ea typeface="微軟正黑體" panose="020B0604030504040204" pitchFamily="34" charset="-120"/>
+            </a:endParaRPr>
+          </a:p>
+          <a:p>
+            <a:pPr marL="0" indent="0">
+              <a:buNone/>
+            </a:pPr>
+            <a:endParaRPr lang="en-US" altLang="zh-TW" dirty="0">
+              <a:latin typeface="微軟正黑體" panose="020B0604030504040204" pitchFamily="34" charset="-120"/>
+              <a:ea typeface="微軟正黑體" panose="020B0604030504040204" pitchFamily="34" charset="-120"/>
+            </a:endParaRPr>
+          </a:p>
+          <a:p>
             <a:pPr marL="201168" lvl="1" indent="0">
               <a:lnSpc>
                 <a:spcPct val="150000"/>
               </a:lnSpc>
               <a:buNone/>
             </a:pPr>
-            <a:r>
-              <a:rPr lang="en-US" altLang="zh-TW" sz="2000" dirty="0" smtClean="0">
-                <a:latin typeface="微軟正黑體" panose="020B0604030504040204" pitchFamily="34" charset="-120"/>
-                <a:ea typeface="微軟正黑體" panose="020B0604030504040204" pitchFamily="34" charset="-120"/>
-              </a:rPr>
-              <a:t>	</a:t>
-            </a:r>
-            <a:r>
-              <a:rPr lang="zh-TW" altLang="en-US" sz="2000" dirty="0" smtClean="0">
-                <a:latin typeface="微軟正黑體" panose="020B0604030504040204" pitchFamily="34" charset="-120"/>
-                <a:ea typeface="微軟正黑體" panose="020B0604030504040204" pitchFamily="34" charset="-120"/>
-              </a:rPr>
-              <a:t>因為不熟悉所有</a:t>
-            </a:r>
-            <a:r>
-              <a:rPr lang="en-US" altLang="zh-TW" sz="2000" dirty="0" smtClean="0">
-                <a:latin typeface="微軟正黑體" panose="020B0604030504040204" pitchFamily="34" charset="-120"/>
-                <a:ea typeface="微軟正黑體" panose="020B0604030504040204" pitchFamily="34" charset="-120"/>
-              </a:rPr>
-              <a:t>model</a:t>
-            </a:r>
-            <a:r>
-              <a:rPr lang="zh-TW" altLang="en-US" sz="2000" dirty="0" smtClean="0">
-                <a:latin typeface="微軟正黑體" panose="020B0604030504040204" pitchFamily="34" charset="-120"/>
-                <a:ea typeface="微軟正黑體" panose="020B0604030504040204" pitchFamily="34" charset="-120"/>
-              </a:rPr>
-              <a:t>的輸入輸出格式，在處理資料時並不是那麼容易上手，還有最後在畫出預測的圖時也有相同的問題，使用</a:t>
-            </a:r>
-            <a:r>
-              <a:rPr lang="en-US" altLang="zh-TW" sz="2000" dirty="0" err="1" smtClean="0">
-                <a:latin typeface="微軟正黑體" panose="020B0604030504040204" pitchFamily="34" charset="-120"/>
-                <a:ea typeface="微軟正黑體" panose="020B0604030504040204" pitchFamily="34" charset="-120"/>
-              </a:rPr>
-              <a:t>Keras</a:t>
-            </a:r>
-            <a:r>
-              <a:rPr lang="zh-TW" altLang="en-US" sz="2000" dirty="0" smtClean="0">
-                <a:latin typeface="微軟正黑體" panose="020B0604030504040204" pitchFamily="34" charset="-120"/>
-                <a:ea typeface="微軟正黑體" panose="020B0604030504040204" pitchFamily="34" charset="-120"/>
-              </a:rPr>
-              <a:t>做神經網路就像在疊積木一般，雖然可能不瞭解每個函式的內部實踐，但我們能藉由模仿得到相同效果，此時，資料的處理和轉換反而成了繁瑣的地方，在經過資料查詢後才終於解決。</a:t>
-            </a:r>
             <a:endParaRPr lang="en-US" altLang="zh-TW" sz="2000" dirty="0" smtClean="0">
               <a:latin typeface="微軟正黑體" panose="020B0604030504040204" pitchFamily="34" charset="-120"/>
               <a:ea typeface="微軟正黑體" panose="020B0604030504040204" pitchFamily="34" charset="-120"/>
@@ -4979,17 +5392,34 @@
           </a:bodyPr>
           <a:lstStyle/>
           <a:p>
-            <a:pPr>
-              <a:lnSpc>
-                <a:spcPct val="150000"/>
-              </a:lnSpc>
-            </a:pPr>
+            <a:r>
+              <a:rPr lang="en-US" altLang="zh-TW" sz="3600" dirty="0" smtClean="0">
+                <a:solidFill>
+                  <a:srgbClr val="0070C0"/>
+                </a:solidFill>
+              </a:rPr>
+              <a:t/>
+            </a:r>
+            <a:br>
+              <a:rPr lang="en-US" altLang="zh-TW" sz="3600" dirty="0" smtClean="0">
+                <a:solidFill>
+                  <a:srgbClr val="0070C0"/>
+                </a:solidFill>
+              </a:rPr>
+            </a:br>
+            <a:r>
+              <a:rPr lang="zh-TW" altLang="en-US" sz="3600" dirty="0" smtClean="0">
+                <a:latin typeface="微軟正黑體" panose="020B0604030504040204" pitchFamily="34" charset="-120"/>
+                <a:ea typeface="微軟正黑體" panose="020B0604030504040204" pitchFamily="34" charset="-120"/>
+              </a:rPr>
+              <a:t>程式</a:t>
+            </a:r>
             <a:r>
               <a:rPr lang="zh-TW" altLang="en-US" sz="3600" dirty="0">
                 <a:latin typeface="微軟正黑體" panose="020B0604030504040204" pitchFamily="34" charset="-120"/>
                 <a:ea typeface="微軟正黑體" panose="020B0604030504040204" pitchFamily="34" charset="-120"/>
               </a:rPr>
-              <a:t>程式執行的結果 </a:t>
+              <a:t>執行的結果 </a:t>
             </a:r>
             <a:r>
               <a:rPr lang="en-US" altLang="zh-TW" sz="3600" dirty="0">
@@ -5003,122 +5433,191 @@
                 <a:latin typeface="微軟正黑體" panose="020B0604030504040204" pitchFamily="34" charset="-120"/>
                 <a:ea typeface="微軟正黑體" panose="020B0604030504040204" pitchFamily="34" charset="-120"/>
               </a:rPr>
-              <a:t>附上可視化結果</a:t>
-            </a:r>
-            <a:r>
-              <a:rPr lang="en-US" altLang="zh-TW" sz="3600" dirty="0">
+              <a:t>附上可視化</a:t>
+            </a:r>
+            <a:r>
+              <a:rPr lang="zh-TW" altLang="en-US" sz="3600" dirty="0" smtClean="0">
+                <a:latin typeface="微軟正黑體" panose="020B0604030504040204" pitchFamily="34" charset="-120"/>
+                <a:ea typeface="微軟正黑體" panose="020B0604030504040204" pitchFamily="34" charset="-120"/>
+              </a:rPr>
+              <a:t>結果</a:t>
+            </a:r>
+            <a:r>
+              <a:rPr lang="en-US" altLang="zh-TW" sz="2400" dirty="0" smtClean="0">
+                <a:latin typeface="微軟正黑體" panose="020B0604030504040204" pitchFamily="34" charset="-120"/>
+                <a:ea typeface="微軟正黑體" panose="020B0604030504040204" pitchFamily="34" charset="-120"/>
+              </a:rPr>
+              <a:t>target_trajs.png</a:t>
+            </a:r>
+            <a:r>
+              <a:rPr lang="en-US" altLang="zh-TW" sz="3600" dirty="0" smtClean="0">
                 <a:latin typeface="微軟正黑體" panose="020B0604030504040204" pitchFamily="34" charset="-120"/>
                 <a:ea typeface="微軟正黑體" panose="020B0604030504040204" pitchFamily="34" charset="-120"/>
               </a:rPr>
               <a:t>) </a:t>
             </a:r>
-            <a:endParaRPr lang="zh-TW" altLang="en-US" sz="1400" dirty="0">
-              <a:latin typeface="微軟正黑體" panose="020B0604030504040204" pitchFamily="34" charset="-120"/>
-              <a:ea typeface="微軟正黑體" panose="020B0604030504040204" pitchFamily="34" charset="-120"/>
+            <a:br>
+              <a:rPr lang="en-US" altLang="zh-TW" sz="3600" dirty="0" smtClean="0">
+                <a:latin typeface="微軟正黑體" panose="020B0604030504040204" pitchFamily="34" charset="-120"/>
+                <a:ea typeface="微軟正黑體" panose="020B0604030504040204" pitchFamily="34" charset="-120"/>
+              </a:rPr>
+            </a:br>
+            <a:r>
+              <a:rPr lang="en-US" altLang="zh-TW" sz="1400" dirty="0" err="1">
+                <a:solidFill>
+                  <a:srgbClr val="0070C0"/>
+                </a:solidFill>
+              </a:rPr>
+              <a:t>valid_loss</a:t>
+            </a:r>
+            <a:r>
+              <a:rPr lang="en-US" altLang="zh-TW" sz="1400" dirty="0">
+                <a:solidFill>
+                  <a:srgbClr val="0070C0"/>
+                </a:solidFill>
+              </a:rPr>
+              <a:t> = 7.990, </a:t>
+            </a:r>
+            <a:r>
+              <a:rPr lang="en-US" altLang="zh-TW" sz="1400" dirty="0" err="1">
+                <a:solidFill>
+                  <a:srgbClr val="0070C0"/>
+                </a:solidFill>
+              </a:rPr>
+              <a:t>valid_mean_err</a:t>
+            </a:r>
+            <a:r>
+              <a:rPr lang="en-US" altLang="zh-TW" sz="1400" dirty="0">
+                <a:solidFill>
+                  <a:srgbClr val="0070C0"/>
+                </a:solidFill>
+              </a:rPr>
+              <a:t> = 3.164, </a:t>
+            </a:r>
+            <a:r>
+              <a:rPr lang="en-US" altLang="zh-TW" sz="1400" dirty="0" err="1">
+                <a:solidFill>
+                  <a:srgbClr val="0070C0"/>
+                </a:solidFill>
+              </a:rPr>
+              <a:t>valid_final_err</a:t>
+            </a:r>
+            <a:r>
+              <a:rPr lang="en-US" altLang="zh-TW" sz="1400" dirty="0">
+                <a:solidFill>
+                  <a:srgbClr val="0070C0"/>
+                </a:solidFill>
+              </a:rPr>
+              <a:t> = 4.947</a:t>
+            </a:r>
+            <a:endParaRPr lang="en-US" altLang="zh-TW" sz="1400" dirty="0">
+              <a:solidFill>
+                <a:srgbClr val="0070C0"/>
+              </a:solidFill>
             </a:endParaRPr>
           </a:p>
         </p:txBody>
       </p:sp>
       <p:sp>
         <p:nvSpPr>
-          <p:cNvPr id="3" name="文字方塊 2"/>
-          <p:cNvSpPr txBox="1"/>
+          <p:cNvPr id="3" name="矩形 2"/>
+          <p:cNvSpPr/>
           <p:nvPr/>
         </p:nvSpPr>
         <p:spPr>
           <a:xfrm>
-            <a:off x="1097280" y="2629566"/>
-            <a:ext cx="4753482" cy="2126864"/>
+            <a:off x="1727880" y="5734986"/>
+            <a:ext cx="1221488" cy="369332"/>
           </a:xfrm>
           <a:prstGeom prst="rect">
             <a:avLst/>
           </a:prstGeom>
-          <a:noFill/>
         </p:spPr>
         <p:txBody>
-          <a:bodyPr wrap="square" rtlCol="0">
+          <a:bodyPr wrap="none">
             <a:spAutoFit/>
           </a:bodyPr>
           <a:lstStyle/>
           <a:p>
-            <a:pPr>
-              <a:lnSpc>
-                <a:spcPct val="150000"/>
-              </a:lnSpc>
-            </a:pPr>
             <a:r>
               <a:rPr lang="en-US" altLang="zh-TW" dirty="0"/>
-              <a:t>model = Sequential()</a:t>
-            </a:r>
-          </a:p>
-          <a:p>
-            <a:pPr>
-              <a:lnSpc>
-                <a:spcPct val="150000"/>
-              </a:lnSpc>
-            </a:pPr>
-            <a:r>
-              <a:rPr lang="en-US" altLang="zh-TW" dirty="0" err="1"/>
-              <a:t>model.add</a:t>
-            </a:r>
+              <a:t>coupa_3_3</a:t>
+            </a:r>
+            <a:endParaRPr lang="zh-TW" altLang="en-US" dirty="0"/>
+          </a:p>
+        </p:txBody>
+      </p:sp>
+      <p:sp>
+        <p:nvSpPr>
+          <p:cNvPr id="5" name="矩形 4"/>
+          <p:cNvSpPr/>
+          <p:nvPr/>
+        </p:nvSpPr>
+        <p:spPr>
+          <a:xfrm>
+            <a:off x="5555298" y="5779122"/>
+            <a:ext cx="1713226" cy="369332"/>
+          </a:xfrm>
+          <a:prstGeom prst="rect">
+            <a:avLst/>
+          </a:prstGeom>
+        </p:spPr>
+        <p:txBody>
+          <a:bodyPr wrap="none">
+            <a:spAutoFit/>
+          </a:bodyPr>
+          <a:lstStyle/>
+          <a:p>
             <a:r>
               <a:rPr lang="en-US" altLang="zh-TW" dirty="0"/>
-              <a:t>(Embedding(</a:t>
-            </a:r>
-            <a:r>
-              <a:rPr lang="en-US" altLang="zh-TW" dirty="0" err="1"/>
-              <a:t>max_features</a:t>
+              <a:t>deathCircle_0_3</a:t>
+            </a:r>
+            <a:endParaRPr lang="zh-TW" altLang="en-US" dirty="0"/>
+          </a:p>
+        </p:txBody>
+      </p:sp>
+      <p:sp>
+        <p:nvSpPr>
+          <p:cNvPr id="7" name="矩形 6"/>
+          <p:cNvSpPr/>
+          <p:nvPr/>
+        </p:nvSpPr>
+        <p:spPr>
+          <a:xfrm>
+            <a:off x="9596266" y="5734986"/>
+            <a:ext cx="1192058" cy="369332"/>
+          </a:xfrm>
+          <a:prstGeom prst="rect">
+            <a:avLst/>
+          </a:prstGeom>
+        </p:spPr>
+        <p:txBody>
+          <a:bodyPr wrap="none">
+            <a:spAutoFit/>
+          </a:bodyPr>
+          <a:lstStyle/>
+          <a:p>
+            <a:r>
+              <a:rPr lang="zh-TW" altLang="en-US" dirty="0"/>
+              <a:t>nexus</a:t>
+            </a:r>
+            <a:r>
+              <a:rPr lang="zh-TW" altLang="en-US" dirty="0" smtClean="0"/>
+              <a:t>_</a:t>
+            </a:r>
+            <a:r>
+              <a:rPr lang="en-US" altLang="zh-TW" dirty="0" smtClean="0"/>
+              <a:t>9</a:t>
+            </a:r>
+            <a:r>
+              <a:rPr lang="zh-TW" altLang="en-US" dirty="0" smtClean="0"/>
+              <a:t>_</a:t>
             </a:r>
             <a:r>
               <a:rPr lang="en-US" altLang="zh-TW" dirty="0"/>
-              <a:t>, 32))</a:t>
-            </a:r>
-          </a:p>
-          <a:p>
-            <a:pPr>
-              <a:lnSpc>
-                <a:spcPct val="150000"/>
-              </a:lnSpc>
-            </a:pPr>
-            <a:r>
-              <a:rPr lang="en-US" altLang="zh-TW" dirty="0" err="1"/>
-              <a:t>model.add</a:t>
-            </a:r>
-            <a:r>
-              <a:rPr lang="en-US" altLang="zh-TW" dirty="0"/>
-              <a:t>(LSTM(32))</a:t>
-            </a:r>
-          </a:p>
-          <a:p>
-            <a:pPr>
-              <a:lnSpc>
-                <a:spcPct val="150000"/>
-              </a:lnSpc>
-            </a:pPr>
-            <a:r>
-              <a:rPr lang="en-US" altLang="zh-TW" dirty="0" err="1"/>
-              <a:t>model.add</a:t>
-            </a:r>
-            <a:r>
-              <a:rPr lang="en-US" altLang="zh-TW" dirty="0"/>
-              <a:t>(Dense(1, activation='sigmoid'))</a:t>
-            </a:r>
-          </a:p>
-          <a:p>
-            <a:pPr>
-              <a:lnSpc>
-                <a:spcPct val="150000"/>
-              </a:lnSpc>
-            </a:pPr>
-            <a:r>
-              <a:rPr lang="en-US" altLang="zh-TW" dirty="0" err="1"/>
-              <a:t>model.summary</a:t>
-            </a:r>
-            <a:r>
-              <a:rPr lang="en-US" altLang="zh-TW" dirty="0" smtClean="0"/>
-              <a:t>()</a:t>
-            </a:r>
-            <a:endParaRPr lang="en-US" altLang="zh-TW" dirty="0"/>
+              <a:t>2</a:t>
+            </a:r>
+            <a:endParaRPr lang="zh-TW" altLang="en-US" dirty="0"/>
           </a:p>
         </p:txBody>
       </p:sp>
@@ -5131,15 +5630,81 @@
           <p:nvPr/>
         </p:nvPicPr>
         <p:blipFill>
-          <a:blip r:embed="rId2"/>
+          <a:blip r:embed="rId2" cstate="print">
+            <a:extLst>
+              <a:ext uri="{28A0092B-C50C-407E-A947-70E740481C1C}">
+                <a14:useLocalDpi xmlns:a14="http://schemas.microsoft.com/office/drawing/2010/main" val="0"/>
+              </a:ext>
+            </a:extLst>
+          </a:blip>
           <a:stretch>
             <a:fillRect/>
           </a:stretch>
         </p:blipFill>
         <p:spPr>
           <a:xfrm>
-            <a:off x="5635209" y="2629566"/>
-            <a:ext cx="5233088" cy="2648714"/>
+            <a:off x="519415" y="2038186"/>
+            <a:ext cx="3677028" cy="3677028"/>
+          </a:xfrm>
+          <a:prstGeom prst="rect">
+            <a:avLst/>
+          </a:prstGeom>
+        </p:spPr>
+      </p:pic>
+      <p:pic>
+        <p:nvPicPr>
+          <p:cNvPr id="10" name="圖片 9"/>
+          <p:cNvPicPr>
+            <a:picLocks noChangeAspect="1"/>
+          </p:cNvPicPr>
+          <p:nvPr/>
+        </p:nvPicPr>
+        <p:blipFill>
+          <a:blip r:embed="rId3" cstate="print">
+            <a:extLst>
+              <a:ext uri="{28A0092B-C50C-407E-A947-70E740481C1C}">
+                <a14:useLocalDpi xmlns:a14="http://schemas.microsoft.com/office/drawing/2010/main" val="0"/>
+              </a:ext>
+            </a:extLst>
+          </a:blip>
+          <a:stretch>
+            <a:fillRect/>
+          </a:stretch>
+        </p:blipFill>
+        <p:spPr>
+          <a:xfrm>
+            <a:off x="4405917" y="2001186"/>
+            <a:ext cx="3733800" cy="3733800"/>
+          </a:xfrm>
+          <a:prstGeom prst="rect">
+            <a:avLst/>
+          </a:prstGeom>
+        </p:spPr>
+      </p:pic>
+      <p:pic>
+        <p:nvPicPr>
+          <p:cNvPr id="11" name="圖片 10"/>
+          <p:cNvPicPr>
+            <a:picLocks noChangeAspect="1"/>
+          </p:cNvPicPr>
+          <p:nvPr/>
+        </p:nvPicPr>
+        <p:blipFill>
+          <a:blip r:embed="rId4" cstate="print">
+            <a:extLst>
+              <a:ext uri="{28A0092B-C50C-407E-A947-70E740481C1C}">
+                <a14:useLocalDpi xmlns:a14="http://schemas.microsoft.com/office/drawing/2010/main" val="0"/>
+              </a:ext>
+            </a:extLst>
+          </a:blip>
+          <a:stretch>
+            <a:fillRect/>
+          </a:stretch>
+        </p:blipFill>
+        <p:spPr>
+          <a:xfrm>
+            <a:off x="8139717" y="1966352"/>
+            <a:ext cx="3768634" cy="3768634"/>
           </a:xfrm>
           <a:prstGeom prst="rect">
             <a:avLst/>
@@ -5222,8 +5787,562 @@
         </p:nvSpPr>
         <p:spPr/>
         <p:txBody>
-          <a:bodyPr/>
+          <a:bodyPr>
+            <a:normAutofit lnSpcReduction="10000"/>
+          </a:bodyPr>
           <a:lstStyle/>
+          <a:p>
+            <a:pPr>
+              <a:buFont typeface="Wingdings" panose="05000000000000000000" pitchFamily="2" charset="2"/>
+              <a:buChar char="u"/>
+            </a:pPr>
+            <a:r>
+              <a:rPr lang="en-US" altLang="zh-TW" dirty="0"/>
+              <a:t>!python </a:t>
+            </a:r>
+            <a:r>
+              <a:rPr lang="en-US" altLang="zh-TW" dirty="0" smtClean="0"/>
+              <a:t>train.py</a:t>
+            </a:r>
+            <a:r>
+              <a:rPr lang="zh-TW" altLang="en-US" dirty="0" smtClean="0"/>
+              <a:t> </a:t>
+            </a:r>
+            <a:r>
+              <a:rPr lang="en-US" altLang="zh-TW" dirty="0" smtClean="0"/>
+              <a:t>(</a:t>
+            </a:r>
+            <a:r>
+              <a:rPr lang="zh-TW" altLang="en-US" dirty="0">
+                <a:latin typeface="微軟正黑體" panose="020B0604030504040204" pitchFamily="34" charset="-120"/>
+                <a:ea typeface="微軟正黑體" panose="020B0604030504040204" pitchFamily="34" charset="-120"/>
+                <a:cs typeface="Arial" panose="020B0604020202020204" pitchFamily="34" charset="0"/>
+              </a:rPr>
+              <a:t>執行到</a:t>
+            </a:r>
+            <a:r>
+              <a:rPr lang="en-US" altLang="zh-TW" dirty="0" smtClean="0"/>
+              <a:t>18759/107280 </a:t>
+            </a:r>
+            <a:r>
+              <a:rPr lang="en-US" altLang="zh-TW" dirty="0"/>
+              <a:t>(epoch 5), </a:t>
+            </a:r>
+            <a:r>
+              <a:rPr lang="en-US" altLang="zh-TW" dirty="0" err="1"/>
+              <a:t>train_loss</a:t>
+            </a:r>
+            <a:r>
+              <a:rPr lang="en-US" altLang="zh-TW" dirty="0"/>
+              <a:t> = -1.286, time/batch = 0.619)</a:t>
+            </a:r>
+            <a:endParaRPr lang="en-US" altLang="zh-TW" dirty="0" smtClean="0"/>
+          </a:p>
+          <a:p>
+            <a:pPr marL="0" indent="0">
+              <a:buNone/>
+            </a:pPr>
+            <a:r>
+              <a:rPr lang="zh-TW" altLang="en-US" dirty="0" smtClean="0">
+                <a:latin typeface="微軟正黑體" panose="020B0604030504040204" pitchFamily="34" charset="-120"/>
+                <a:ea typeface="微軟正黑體" panose="020B0604030504040204" pitchFamily="34" charset="-120"/>
+                <a:cs typeface="Arial" panose="020B0604020202020204" pitchFamily="34" charset="0"/>
+              </a:rPr>
+              <a:t> 訓練</a:t>
+            </a:r>
+            <a:r>
+              <a:rPr lang="zh-TW" altLang="en-US" dirty="0">
+                <a:latin typeface="微軟正黑體" panose="020B0604030504040204" pitchFamily="34" charset="-120"/>
+                <a:ea typeface="微軟正黑體" panose="020B0604030504040204" pitchFamily="34" charset="-120"/>
+                <a:cs typeface="Arial" panose="020B0604020202020204" pitchFamily="34" charset="0"/>
+              </a:rPr>
+              <a:t>結果</a:t>
+            </a:r>
+            <a:r>
+              <a:rPr lang="en-US" altLang="zh-TW" dirty="0"/>
+              <a:t>-&gt; </a:t>
+            </a:r>
+            <a:r>
+              <a:rPr lang="en-US" altLang="zh-TW" dirty="0" err="1">
+                <a:solidFill>
+                  <a:srgbClr val="0070C0"/>
+                </a:solidFill>
+              </a:rPr>
+              <a:t>valid_loss</a:t>
+            </a:r>
+            <a:r>
+              <a:rPr lang="en-US" altLang="zh-TW" dirty="0">
+                <a:solidFill>
+                  <a:srgbClr val="0070C0"/>
+                </a:solidFill>
+              </a:rPr>
+              <a:t> = 8.034, </a:t>
+            </a:r>
+            <a:r>
+              <a:rPr lang="en-US" altLang="zh-TW" dirty="0" err="1">
+                <a:solidFill>
+                  <a:srgbClr val="0070C0"/>
+                </a:solidFill>
+              </a:rPr>
+              <a:t>valid_mean_err</a:t>
+            </a:r>
+            <a:r>
+              <a:rPr lang="en-US" altLang="zh-TW" dirty="0">
+                <a:solidFill>
+                  <a:srgbClr val="0070C0"/>
+                </a:solidFill>
+              </a:rPr>
+              <a:t> = 3.184, </a:t>
+            </a:r>
+            <a:r>
+              <a:rPr lang="en-US" altLang="zh-TW" dirty="0" err="1">
+                <a:solidFill>
+                  <a:srgbClr val="0070C0"/>
+                </a:solidFill>
+              </a:rPr>
+              <a:t>valid_final_err</a:t>
+            </a:r>
+            <a:r>
+              <a:rPr lang="en-US" altLang="zh-TW" dirty="0">
+                <a:solidFill>
+                  <a:srgbClr val="0070C0"/>
+                </a:solidFill>
+              </a:rPr>
+              <a:t> = 4.840</a:t>
+            </a:r>
+          </a:p>
+          <a:p>
+            <a:pPr>
+              <a:buFont typeface="Wingdings" panose="05000000000000000000" pitchFamily="2" charset="2"/>
+              <a:buChar char="u"/>
+            </a:pPr>
+            <a:r>
+              <a:rPr lang="en-US" altLang="zh-TW" dirty="0" smtClean="0"/>
+              <a:t>!</a:t>
+            </a:r>
+            <a:r>
+              <a:rPr lang="en-US" altLang="zh-TW" dirty="0"/>
+              <a:t>python train.py --</a:t>
+            </a:r>
+            <a:r>
+              <a:rPr lang="en-US" altLang="zh-TW" dirty="0" err="1"/>
+              <a:t>pred_length</a:t>
+            </a:r>
+            <a:r>
+              <a:rPr lang="en-US" altLang="zh-TW" dirty="0"/>
+              <a:t>=8 --</a:t>
+            </a:r>
+            <a:r>
+              <a:rPr lang="en-US" altLang="zh-TW" dirty="0" err="1"/>
+              <a:t>maxNumPeds</a:t>
+            </a:r>
+            <a:r>
+              <a:rPr lang="en-US" altLang="zh-TW" dirty="0"/>
+              <a:t> 10 --</a:t>
+            </a:r>
+            <a:r>
+              <a:rPr lang="en-US" altLang="zh-TW" dirty="0" err="1"/>
+              <a:t>learning_rate</a:t>
+            </a:r>
+            <a:r>
+              <a:rPr lang="en-US" altLang="zh-TW" dirty="0"/>
+              <a:t> 0.01 --</a:t>
+            </a:r>
+            <a:r>
+              <a:rPr lang="en-US" altLang="zh-TW" dirty="0" err="1"/>
+              <a:t>batch_size</a:t>
+            </a:r>
+            <a:r>
+              <a:rPr lang="en-US" altLang="zh-TW" dirty="0"/>
+              <a:t> 10 --</a:t>
+            </a:r>
+            <a:r>
+              <a:rPr lang="en-US" altLang="zh-TW" dirty="0" err="1"/>
+              <a:t>num_epochs</a:t>
+            </a:r>
+            <a:r>
+              <a:rPr lang="en-US" altLang="zh-TW" dirty="0"/>
+              <a:t> </a:t>
+            </a:r>
+            <a:r>
+              <a:rPr lang="en-US" altLang="zh-TW" dirty="0" smtClean="0"/>
+              <a:t>3(</a:t>
+            </a:r>
+            <a:r>
+              <a:rPr lang="zh-TW" altLang="en-US" dirty="0" smtClean="0">
+                <a:latin typeface="微軟正黑體" panose="020B0604030504040204" pitchFamily="34" charset="-120"/>
+                <a:ea typeface="微軟正黑體" panose="020B0604030504040204" pitchFamily="34" charset="-120"/>
+              </a:rPr>
+              <a:t>有刪資料</a:t>
+            </a:r>
+            <a:r>
+              <a:rPr lang="en-US" altLang="zh-TW" dirty="0" smtClean="0"/>
+              <a:t>)</a:t>
+            </a:r>
+            <a:endParaRPr lang="en-US" altLang="zh-TW" dirty="0"/>
+          </a:p>
+          <a:p>
+            <a:r>
+              <a:rPr lang="zh-TW" altLang="en-US" dirty="0">
+                <a:latin typeface="微軟正黑體" panose="020B0604030504040204" pitchFamily="34" charset="-120"/>
+                <a:ea typeface="微軟正黑體" panose="020B0604030504040204" pitchFamily="34" charset="-120"/>
+                <a:cs typeface="Arial" panose="020B0604020202020204" pitchFamily="34" charset="0"/>
+              </a:rPr>
+              <a:t>訓練結果</a:t>
+            </a:r>
+            <a:r>
+              <a:rPr lang="en-US" altLang="zh-TW" dirty="0"/>
+              <a:t>-&gt; </a:t>
+            </a:r>
+            <a:r>
+              <a:rPr lang="en-US" altLang="zh-TW" dirty="0" err="1" smtClean="0">
+                <a:solidFill>
+                  <a:srgbClr val="0070C0"/>
+                </a:solidFill>
+              </a:rPr>
+              <a:t>valid_loss</a:t>
+            </a:r>
+            <a:r>
+              <a:rPr lang="en-US" altLang="zh-TW" dirty="0" smtClean="0">
+                <a:solidFill>
+                  <a:srgbClr val="0070C0"/>
+                </a:solidFill>
+              </a:rPr>
+              <a:t> </a:t>
+            </a:r>
+            <a:r>
+              <a:rPr lang="en-US" altLang="zh-TW" dirty="0">
+                <a:solidFill>
+                  <a:srgbClr val="0070C0"/>
+                </a:solidFill>
+              </a:rPr>
+              <a:t>= 7.899, </a:t>
+            </a:r>
+            <a:r>
+              <a:rPr lang="en-US" altLang="zh-TW" dirty="0" err="1">
+                <a:solidFill>
+                  <a:srgbClr val="0070C0"/>
+                </a:solidFill>
+              </a:rPr>
+              <a:t>valid_mean_err</a:t>
+            </a:r>
+            <a:r>
+              <a:rPr lang="en-US" altLang="zh-TW" dirty="0">
+                <a:solidFill>
+                  <a:srgbClr val="0070C0"/>
+                </a:solidFill>
+              </a:rPr>
+              <a:t> = 3.017, </a:t>
+            </a:r>
+            <a:r>
+              <a:rPr lang="en-US" altLang="zh-TW" dirty="0" err="1">
+                <a:solidFill>
+                  <a:srgbClr val="0070C0"/>
+                </a:solidFill>
+              </a:rPr>
+              <a:t>valid_final_err</a:t>
+            </a:r>
+            <a:r>
+              <a:rPr lang="en-US" altLang="zh-TW" dirty="0">
+                <a:solidFill>
+                  <a:srgbClr val="0070C0"/>
+                </a:solidFill>
+              </a:rPr>
+              <a:t> = 4.574</a:t>
+            </a:r>
+          </a:p>
+          <a:p>
+            <a:pPr>
+              <a:buFont typeface="Wingdings" panose="05000000000000000000" pitchFamily="2" charset="2"/>
+              <a:buChar char="u"/>
+            </a:pPr>
+            <a:r>
+              <a:rPr lang="en-US" altLang="zh-TW" dirty="0" smtClean="0"/>
+              <a:t>!</a:t>
+            </a:r>
+            <a:r>
+              <a:rPr lang="en-US" altLang="zh-TW" dirty="0"/>
+              <a:t>python train.py --</a:t>
+            </a:r>
+            <a:r>
+              <a:rPr lang="en-US" altLang="zh-TW" dirty="0" err="1"/>
+              <a:t>num_epochs</a:t>
+            </a:r>
+            <a:r>
+              <a:rPr lang="en-US" altLang="zh-TW" dirty="0"/>
+              <a:t> </a:t>
+            </a:r>
+            <a:r>
+              <a:rPr lang="en-US" altLang="zh-TW" dirty="0" smtClean="0"/>
+              <a:t>5</a:t>
+            </a:r>
+            <a:r>
+              <a:rPr lang="en-US" altLang="zh-TW" dirty="0"/>
+              <a:t> --</a:t>
+            </a:r>
+            <a:r>
+              <a:rPr lang="en-US" altLang="zh-TW" dirty="0" err="1"/>
+              <a:t>learning_rate</a:t>
+            </a:r>
+            <a:r>
+              <a:rPr lang="en-US" altLang="zh-TW" dirty="0"/>
+              <a:t> 0.004 --</a:t>
+            </a:r>
+            <a:r>
+              <a:rPr lang="en-US" altLang="zh-TW" dirty="0" err="1"/>
+              <a:t>grad_clip</a:t>
+            </a:r>
+            <a:r>
+              <a:rPr lang="en-US" altLang="zh-TW" dirty="0"/>
+              <a:t> 4 --</a:t>
+            </a:r>
+            <a:r>
+              <a:rPr lang="en-US" altLang="zh-TW" dirty="0" err="1"/>
+              <a:t>decay_rate</a:t>
+            </a:r>
+            <a:r>
+              <a:rPr lang="en-US" altLang="zh-TW" dirty="0"/>
+              <a:t> </a:t>
+            </a:r>
+            <a:r>
+              <a:rPr lang="en-US" altLang="zh-TW" dirty="0" smtClean="0"/>
+              <a:t>0.96</a:t>
+            </a:r>
+            <a:r>
+              <a:rPr lang="zh-TW" altLang="en-US" dirty="0" smtClean="0"/>
+              <a:t> </a:t>
+            </a:r>
+            <a:r>
+              <a:rPr lang="en-US" altLang="zh-TW" dirty="0"/>
+              <a:t>--</a:t>
+            </a:r>
+            <a:r>
+              <a:rPr lang="en-US" altLang="zh-TW" dirty="0" err="1"/>
+              <a:t>pred_length</a:t>
+            </a:r>
+            <a:r>
+              <a:rPr lang="en-US" altLang="zh-TW" dirty="0"/>
+              <a:t>=8</a:t>
+            </a:r>
+          </a:p>
+          <a:p>
+            <a:r>
+              <a:rPr lang="zh-TW" altLang="en-US" dirty="0">
+                <a:latin typeface="微軟正黑體" panose="020B0604030504040204" pitchFamily="34" charset="-120"/>
+                <a:ea typeface="微軟正黑體" panose="020B0604030504040204" pitchFamily="34" charset="-120"/>
+                <a:cs typeface="Arial" panose="020B0604020202020204" pitchFamily="34" charset="0"/>
+              </a:rPr>
+              <a:t>訓練結果</a:t>
+            </a:r>
+            <a:r>
+              <a:rPr lang="en-US" altLang="zh-TW" dirty="0" smtClean="0"/>
+              <a:t>-&gt;</a:t>
+            </a:r>
+            <a:r>
+              <a:rPr lang="zh-TW" altLang="en-US" dirty="0" smtClean="0"/>
+              <a:t> </a:t>
+            </a:r>
+            <a:r>
+              <a:rPr lang="en-US" altLang="zh-TW" dirty="0" err="1">
+                <a:solidFill>
+                  <a:srgbClr val="0070C0"/>
+                </a:solidFill>
+              </a:rPr>
+              <a:t>valid_loss</a:t>
+            </a:r>
+            <a:r>
+              <a:rPr lang="en-US" altLang="zh-TW" dirty="0">
+                <a:solidFill>
+                  <a:srgbClr val="0070C0"/>
+                </a:solidFill>
+              </a:rPr>
+              <a:t> = 7.990, </a:t>
+            </a:r>
+            <a:r>
+              <a:rPr lang="en-US" altLang="zh-TW" dirty="0" err="1">
+                <a:solidFill>
+                  <a:srgbClr val="0070C0"/>
+                </a:solidFill>
+              </a:rPr>
+              <a:t>valid_mean_err</a:t>
+            </a:r>
+            <a:r>
+              <a:rPr lang="en-US" altLang="zh-TW" dirty="0">
+                <a:solidFill>
+                  <a:srgbClr val="0070C0"/>
+                </a:solidFill>
+              </a:rPr>
+              <a:t> = 3.164, </a:t>
+            </a:r>
+            <a:r>
+              <a:rPr lang="en-US" altLang="zh-TW" dirty="0" err="1">
+                <a:solidFill>
+                  <a:srgbClr val="0070C0"/>
+                </a:solidFill>
+              </a:rPr>
+              <a:t>valid_final_err</a:t>
+            </a:r>
+            <a:r>
+              <a:rPr lang="en-US" altLang="zh-TW" dirty="0">
+                <a:solidFill>
+                  <a:srgbClr val="0070C0"/>
+                </a:solidFill>
+              </a:rPr>
+              <a:t> = </a:t>
+            </a:r>
+            <a:r>
+              <a:rPr lang="en-US" altLang="zh-TW" dirty="0" smtClean="0">
+                <a:solidFill>
+                  <a:srgbClr val="0070C0"/>
+                </a:solidFill>
+              </a:rPr>
+              <a:t>4.947</a:t>
+            </a:r>
+          </a:p>
+          <a:p>
+            <a:pPr>
+              <a:buFont typeface="Wingdings" panose="05000000000000000000" pitchFamily="2" charset="2"/>
+              <a:buChar char="u"/>
+            </a:pPr>
+            <a:r>
+              <a:rPr lang="en-US" altLang="zh-TW" dirty="0" smtClean="0"/>
+              <a:t>!python train.py --</a:t>
+            </a:r>
+            <a:r>
+              <a:rPr lang="en-US" altLang="zh-TW" dirty="0" err="1" smtClean="0"/>
+              <a:t>num_epochs</a:t>
+            </a:r>
+            <a:r>
+              <a:rPr lang="en-US" altLang="zh-TW" dirty="0" smtClean="0"/>
+              <a:t> 3 --</a:t>
+            </a:r>
+            <a:r>
+              <a:rPr lang="en-US" altLang="zh-TW" dirty="0" err="1" smtClean="0"/>
+              <a:t>learning_rate</a:t>
+            </a:r>
+            <a:r>
+              <a:rPr lang="en-US" altLang="zh-TW" dirty="0" smtClean="0"/>
+              <a:t> 0.001 --</a:t>
+            </a:r>
+            <a:r>
+              <a:rPr lang="en-US" altLang="zh-TW" dirty="0" err="1" smtClean="0"/>
+              <a:t>grad_clip</a:t>
+            </a:r>
+            <a:r>
+              <a:rPr lang="en-US" altLang="zh-TW" dirty="0" smtClean="0"/>
+              <a:t> 3 --</a:t>
+            </a:r>
+            <a:r>
+              <a:rPr lang="en-US" altLang="zh-TW" dirty="0" err="1" smtClean="0"/>
+              <a:t>decay_rate</a:t>
+            </a:r>
+            <a:r>
+              <a:rPr lang="en-US" altLang="zh-TW" dirty="0" smtClean="0"/>
+              <a:t> 0.98</a:t>
+            </a:r>
+          </a:p>
+          <a:p>
+            <a:r>
+              <a:rPr lang="zh-TW" altLang="en-US" dirty="0" smtClean="0">
+                <a:latin typeface="微軟正黑體" panose="020B0604030504040204" pitchFamily="34" charset="-120"/>
+                <a:ea typeface="微軟正黑體" panose="020B0604030504040204" pitchFamily="34" charset="-120"/>
+                <a:cs typeface="Arial" panose="020B0604020202020204" pitchFamily="34" charset="0"/>
+              </a:rPr>
+              <a:t>訓練</a:t>
+            </a:r>
+            <a:r>
+              <a:rPr lang="zh-TW" altLang="en-US" dirty="0">
+                <a:latin typeface="微軟正黑體" panose="020B0604030504040204" pitchFamily="34" charset="-120"/>
+                <a:ea typeface="微軟正黑體" panose="020B0604030504040204" pitchFamily="34" charset="-120"/>
+                <a:cs typeface="Arial" panose="020B0604020202020204" pitchFamily="34" charset="0"/>
+              </a:rPr>
+              <a:t>結果</a:t>
+            </a:r>
+            <a:r>
+              <a:rPr lang="en-US" altLang="zh-TW" dirty="0"/>
+              <a:t>-&gt; </a:t>
+            </a:r>
+            <a:r>
+              <a:rPr lang="en-US" altLang="zh-TW" dirty="0" err="1">
+                <a:solidFill>
+                  <a:srgbClr val="0070C0"/>
+                </a:solidFill>
+              </a:rPr>
+              <a:t>valid_loss</a:t>
+            </a:r>
+            <a:r>
+              <a:rPr lang="en-US" altLang="zh-TW" dirty="0">
+                <a:solidFill>
+                  <a:srgbClr val="0070C0"/>
+                </a:solidFill>
+              </a:rPr>
+              <a:t> = </a:t>
+            </a:r>
+            <a:r>
+              <a:rPr lang="en-US" altLang="zh-TW" dirty="0" smtClean="0">
+                <a:solidFill>
+                  <a:srgbClr val="0070C0"/>
+                </a:solidFill>
+              </a:rPr>
+              <a:t>-1.273, </a:t>
+            </a:r>
+            <a:r>
+              <a:rPr lang="en-US" altLang="zh-TW" dirty="0" err="1">
+                <a:solidFill>
+                  <a:srgbClr val="0070C0"/>
+                </a:solidFill>
+              </a:rPr>
+              <a:t>valid_mean_err</a:t>
+            </a:r>
+            <a:r>
+              <a:rPr lang="en-US" altLang="zh-TW" dirty="0">
+                <a:solidFill>
+                  <a:srgbClr val="0070C0"/>
+                </a:solidFill>
+              </a:rPr>
+              <a:t> </a:t>
+            </a:r>
+            <a:r>
+              <a:rPr lang="en-US" altLang="zh-TW" dirty="0" smtClean="0">
+                <a:solidFill>
+                  <a:srgbClr val="0070C0"/>
+                </a:solidFill>
+              </a:rPr>
+              <a:t>=0.575, </a:t>
+            </a:r>
+            <a:r>
+              <a:rPr lang="en-US" altLang="zh-TW" dirty="0" err="1">
+                <a:solidFill>
+                  <a:srgbClr val="0070C0"/>
+                </a:solidFill>
+              </a:rPr>
+              <a:t>valid_final_err</a:t>
+            </a:r>
+            <a:r>
+              <a:rPr lang="en-US" altLang="zh-TW" dirty="0">
+                <a:solidFill>
+                  <a:srgbClr val="0070C0"/>
+                </a:solidFill>
+              </a:rPr>
+              <a:t> = </a:t>
+            </a:r>
+            <a:r>
+              <a:rPr lang="en-US" altLang="zh-TW" dirty="0" smtClean="0">
+                <a:solidFill>
+                  <a:srgbClr val="0070C0"/>
+                </a:solidFill>
+              </a:rPr>
+              <a:t>0.847</a:t>
+            </a:r>
+            <a:endParaRPr lang="en-US" altLang="zh-TW" dirty="0">
+              <a:solidFill>
+                <a:srgbClr val="0070C0"/>
+              </a:solidFill>
+            </a:endParaRPr>
+          </a:p>
+          <a:p>
+            <a:endParaRPr lang="en-US" altLang="zh-TW" dirty="0" smtClean="0"/>
+          </a:p>
           <a:p>
             <a:endParaRPr lang="zh-TW" altLang="en-US" dirty="0"/>
           </a:p>
@@ -5297,10 +6416,6 @@
               </a:rPr>
               <a:t>預測準確率，改進方法，參數差異等等</a:t>
             </a:r>
-            <a:endParaRPr lang="zh-TW" altLang="en-US" sz="1800" dirty="0">
-              <a:latin typeface="微軟正黑體" panose="020B0604030504040204" pitchFamily="34" charset="-120"/>
-              <a:ea typeface="微軟正黑體" panose="020B0604030504040204" pitchFamily="34" charset="-120"/>
-            </a:endParaRPr>
           </a:p>
         </p:txBody>
       </p:sp>
@@ -5328,66 +6443,31 @@
           <a:p>
             <a:pPr marL="0" indent="0" defTabSz="457200">
               <a:lnSpc>
-                <a:spcPct val="100000"/>
-              </a:lnSpc>
-              <a:buNone/>
-            </a:pPr>
-            <a:r>
-              <a:rPr lang="zh-TW" altLang="en-US" b="1" dirty="0">
-                <a:solidFill>
-                  <a:schemeClr val="tx1"/>
-                </a:solidFill>
-                <a:latin typeface="微軟正黑體" panose="020B0604030504040204" pitchFamily="34" charset="-120"/>
-                <a:ea typeface="微軟正黑體" panose="020B0604030504040204" pitchFamily="34" charset="-120"/>
-              </a:rPr>
-              <a:t>實驗</a:t>
-            </a:r>
-            <a:r>
-              <a:rPr lang="zh-TW" altLang="en-US" b="1" dirty="0" smtClean="0">
-                <a:solidFill>
-                  <a:schemeClr val="tx1"/>
-                </a:solidFill>
-                <a:latin typeface="微軟正黑體" panose="020B0604030504040204" pitchFamily="34" charset="-120"/>
-                <a:ea typeface="微軟正黑體" panose="020B0604030504040204" pitchFamily="34" charset="-120"/>
-              </a:rPr>
-              <a:t>一</a:t>
-            </a:r>
-            <a:r>
-              <a:rPr lang="en-US" altLang="zh-TW" b="1" dirty="0" smtClean="0">
-                <a:solidFill>
-                  <a:schemeClr val="tx1"/>
-                </a:solidFill>
-                <a:latin typeface="微軟正黑體" panose="020B0604030504040204" pitchFamily="34" charset="-120"/>
-                <a:ea typeface="微軟正黑體" panose="020B0604030504040204" pitchFamily="34" charset="-120"/>
-              </a:rPr>
-              <a:t>:</a:t>
-            </a:r>
-            <a:r>
-              <a:rPr lang="zh-TW" altLang="en-US" b="1" dirty="0" smtClean="0">
-                <a:solidFill>
-                  <a:schemeClr val="tx1"/>
-                </a:solidFill>
-                <a:latin typeface="微軟正黑體" panose="020B0604030504040204" pitchFamily="34" charset="-120"/>
-                <a:ea typeface="微軟正黑體" panose="020B0604030504040204" pitchFamily="34" charset="-120"/>
-              </a:rPr>
-              <a:t>  </a:t>
-            </a:r>
-            <a:endParaRPr lang="en-US" altLang="zh-TW" b="1" dirty="0" smtClean="0">
-              <a:solidFill>
-                <a:schemeClr val="tx1"/>
-              </a:solidFill>
-              <a:latin typeface="微軟正黑體" panose="020B0604030504040204" pitchFamily="34" charset="-120"/>
-              <a:ea typeface="微軟正黑體" panose="020B0604030504040204" pitchFamily="34" charset="-120"/>
-            </a:endParaRPr>
-          </a:p>
-          <a:p>
-            <a:pPr marL="0" indent="0" defTabSz="457200">
-              <a:lnSpc>
                 <a:spcPct val="150000"/>
               </a:lnSpc>
               <a:buNone/>
             </a:pPr>
             <a:r>
+              <a:rPr lang="zh-TW" altLang="en-US" dirty="0">
+                <a:solidFill>
+                  <a:schemeClr val="tx1"/>
+                </a:solidFill>
+                <a:latin typeface="微軟正黑體" panose="020B0604030504040204" pitchFamily="34" charset="-120"/>
+                <a:ea typeface="微軟正黑體" panose="020B0604030504040204" pitchFamily="34" charset="-120"/>
+              </a:rPr>
+              <a:t>實驗過程中有調整</a:t>
+            </a:r>
+            <a:r>
+              <a:rPr lang="zh-TW" altLang="en-US" dirty="0" smtClean="0">
+                <a:solidFill>
+                  <a:schemeClr val="tx1"/>
+                </a:solidFill>
+                <a:latin typeface="微軟正黑體" panose="020B0604030504040204" pitchFamily="34" charset="-120"/>
+                <a:ea typeface="微軟正黑體" panose="020B0604030504040204" pitchFamily="34" charset="-120"/>
+              </a:rPr>
+              <a:t>到最後</a:t>
+            </a:r>
+            <a:r>
               <a:rPr lang="en-US" altLang="zh-TW" dirty="0" smtClean="0">
                 <a:solidFill>
                   <a:schemeClr val="tx1"/>
@@ -5395,7 +6475,7 @@
                 <a:latin typeface="微軟正黑體" panose="020B0604030504040204" pitchFamily="34" charset="-120"/>
                 <a:ea typeface="微軟正黑體" panose="020B0604030504040204" pitchFamily="34" charset="-120"/>
               </a:rPr>
-              <a:t>	</a:t>
+              <a:t>validation </a:t>
             </a:r>
             <a:r>
               <a:rPr lang="zh-TW" altLang="en-US" dirty="0" smtClean="0">
@@ -5405,7 +6485,27 @@
                 <a:latin typeface="微軟正黑體" panose="020B0604030504040204" pitchFamily="34" charset="-120"/>
                 <a:ea typeface="微軟正黑體" panose="020B0604030504040204" pitchFamily="34" charset="-120"/>
               </a:rPr>
-              <a:t>從折線圖中我們可以發現訓練後的驗證集準確度大概在</a:t>
+              <a:t>跑出來的</a:t>
+            </a:r>
+            <a:r>
+              <a:rPr lang="en-US" altLang="zh-TW" dirty="0" err="1" smtClean="0">
+                <a:solidFill>
+                  <a:schemeClr val="tx1"/>
+                </a:solidFill>
+                <a:latin typeface="微軟正黑體" panose="020B0604030504040204" pitchFamily="34" charset="-120"/>
+                <a:ea typeface="微軟正黑體" panose="020B0604030504040204" pitchFamily="34" charset="-120"/>
+              </a:rPr>
+              <a:t>valid_loss</a:t>
+            </a:r>
+            <a:r>
+              <a:rPr lang="zh-TW" altLang="en-US" dirty="0" smtClean="0">
+                <a:solidFill>
+                  <a:schemeClr val="tx1"/>
+                </a:solidFill>
+                <a:latin typeface="微軟正黑體" panose="020B0604030504040204" pitchFamily="34" charset="-120"/>
+                <a:ea typeface="微軟正黑體" panose="020B0604030504040204" pitchFamily="34" charset="-120"/>
+              </a:rPr>
+              <a:t>是負的，感覺有點奇怪，雖然我們通常希望</a:t>
             </a:r>
             <a:r>
               <a:rPr lang="en-US" altLang="zh-TW" dirty="0" smtClean="0">
@@ -5415,7 +6515,7 @@
                 <a:latin typeface="微軟正黑體" panose="020B0604030504040204" pitchFamily="34" charset="-120"/>
                 <a:ea typeface="微軟正黑體" panose="020B0604030504040204" pitchFamily="34" charset="-120"/>
               </a:rPr>
-              <a:t>0.88</a:t>
+              <a:t>loss</a:t>
             </a:r>
             <a:r>
               <a:rPr lang="zh-TW" altLang="en-US" dirty="0" smtClean="0">
@@ -5425,7 +6525,37 @@
                 <a:latin typeface="微軟正黑體" panose="020B0604030504040204" pitchFamily="34" charset="-120"/>
                 <a:ea typeface="微軟正黑體" panose="020B0604030504040204" pitchFamily="34" charset="-120"/>
               </a:rPr>
-              <a:t>左右，損失函數大約在</a:t>
+              <a:t>越低越好，但不知道跑出來是負的會不會出錯，另外，準確率的看我我們是以</a:t>
+            </a:r>
+            <a:r>
+              <a:rPr lang="en-US" altLang="zh-TW" dirty="0" err="1" smtClean="0">
+                <a:solidFill>
+                  <a:schemeClr val="tx1"/>
+                </a:solidFill>
+                <a:latin typeface="微軟正黑體" panose="020B0604030504040204" pitchFamily="34" charset="-120"/>
+                <a:ea typeface="微軟正黑體" panose="020B0604030504040204" pitchFamily="34" charset="-120"/>
+              </a:rPr>
+              <a:t>valid_mean_err</a:t>
+            </a:r>
+            <a:r>
+              <a:rPr lang="zh-TW" altLang="en-US" dirty="0" smtClean="0">
+                <a:solidFill>
+                  <a:schemeClr val="tx1"/>
+                </a:solidFill>
+                <a:latin typeface="微軟正黑體" panose="020B0604030504040204" pitchFamily="34" charset="-120"/>
+                <a:ea typeface="微軟正黑體" panose="020B0604030504040204" pitchFamily="34" charset="-120"/>
+              </a:rPr>
+              <a:t>越低越好為判斷依據，但我們在</a:t>
+            </a:r>
+            <a:r>
+              <a:rPr lang="en-US" altLang="zh-TW" dirty="0" err="1" smtClean="0">
+                <a:solidFill>
+                  <a:schemeClr val="tx1"/>
+                </a:solidFill>
+                <a:latin typeface="微軟正黑體" panose="020B0604030504040204" pitchFamily="34" charset="-120"/>
+                <a:ea typeface="微軟正黑體" panose="020B0604030504040204" pitchFamily="34" charset="-120"/>
+              </a:rPr>
+              <a:t>num</a:t>
             </a:r>
             <a:r>
               <a:rPr lang="en-US" altLang="zh-TW" dirty="0" smtClean="0">
@@ -5435,17 +6565,27 @@
                 <a:latin typeface="微軟正黑體" panose="020B0604030504040204" pitchFamily="34" charset="-120"/>
                 <a:ea typeface="微軟正黑體" panose="020B0604030504040204" pitchFamily="34" charset="-120"/>
               </a:rPr>
-              <a:t>0.3~0.4</a:t>
-            </a:r>
-            <a:r>
-              <a:rPr lang="zh-TW" altLang="en-US" dirty="0">
+              <a:t> epoch</a:t>
+            </a:r>
+            <a:r>
+              <a:rPr lang="zh-TW" altLang="en-US" dirty="0" smtClean="0">
                 <a:solidFill>
                   <a:schemeClr val="tx1"/>
                 </a:solidFill>
                 <a:latin typeface="微軟正黑體" panose="020B0604030504040204" pitchFamily="34" charset="-120"/>
                 <a:ea typeface="微軟正黑體" panose="020B0604030504040204" pitchFamily="34" charset="-120"/>
               </a:rPr>
-              <a:t>；</a:t>
+              <a:t>更少時得到較低的</a:t>
+            </a:r>
+            <a:r>
+              <a:rPr lang="en-US" altLang="zh-TW" dirty="0" err="1" smtClean="0">
+                <a:solidFill>
+                  <a:schemeClr val="tx1"/>
+                </a:solidFill>
+                <a:latin typeface="微軟正黑體" panose="020B0604030504040204" pitchFamily="34" charset="-120"/>
+                <a:ea typeface="微軟正黑體" panose="020B0604030504040204" pitchFamily="34" charset="-120"/>
+              </a:rPr>
+              <a:t>mean_err</a:t>
             </a:r>
             <a:r>
               <a:rPr lang="zh-TW" altLang="en-US" dirty="0" smtClean="0">
@@ -5455,17 +6595,17 @@
                 <a:latin typeface="微軟正黑體" panose="020B0604030504040204" pitchFamily="34" charset="-120"/>
                 <a:ea typeface="微軟正黑體" panose="020B0604030504040204" pitchFamily="34" charset="-120"/>
               </a:rPr>
-              <a:t>測試集準確度則一直變高，</a:t>
-            </a:r>
-            <a:r>
-              <a:rPr lang="zh-TW" altLang="en-US" dirty="0">
+              <a:t>也比較意外，但因為前面的資料訓練不完，我們直接中斷執行讓他去跑</a:t>
+            </a:r>
+            <a:r>
+              <a:rPr lang="en-US" altLang="zh-TW" dirty="0" smtClean="0">
                 <a:solidFill>
                   <a:schemeClr val="tx1"/>
                 </a:solidFill>
                 <a:latin typeface="微軟正黑體" panose="020B0604030504040204" pitchFamily="34" charset="-120"/>
                 <a:ea typeface="微軟正黑體" panose="020B0604030504040204" pitchFamily="34" charset="-120"/>
               </a:rPr>
-              <a:t>損失</a:t>
+              <a:t>validation.py</a:t>
             </a:r>
             <a:r>
               <a:rPr lang="zh-TW" altLang="en-US" dirty="0" smtClean="0">
@@ -5475,67 +6615,7 @@
                 <a:latin typeface="微軟正黑體" panose="020B0604030504040204" pitchFamily="34" charset="-120"/>
                 <a:ea typeface="微軟正黑體" panose="020B0604030504040204" pitchFamily="34" charset="-120"/>
               </a:rPr>
-              <a:t>函數持續降低，</a:t>
-            </a:r>
-            <a:r>
-              <a:rPr lang="zh-TW" altLang="en-US" dirty="0">
-                <a:solidFill>
-                  <a:schemeClr val="tx1"/>
-                </a:solidFill>
-                <a:latin typeface="微軟正黑體" panose="020B0604030504040204" pitchFamily="34" charset="-120"/>
-                <a:ea typeface="微軟正黑體" panose="020B0604030504040204" pitchFamily="34" charset="-120"/>
-              </a:rPr>
-              <a:t>這</a:t>
-            </a:r>
-            <a:r>
-              <a:rPr lang="zh-TW" altLang="en-US" dirty="0" smtClean="0">
-                <a:solidFill>
-                  <a:schemeClr val="tx1"/>
-                </a:solidFill>
-                <a:latin typeface="微軟正黑體" panose="020B0604030504040204" pitchFamily="34" charset="-120"/>
-                <a:ea typeface="微軟正黑體" panose="020B0604030504040204" pitchFamily="34" charset="-120"/>
-              </a:rPr>
-              <a:t>也應證了</a:t>
-            </a:r>
-            <a:r>
-              <a:rPr lang="en-US" altLang="zh-TW" dirty="0" smtClean="0">
-                <a:solidFill>
-                  <a:schemeClr val="tx1"/>
-                </a:solidFill>
-                <a:latin typeface="微軟正黑體" panose="020B0604030504040204" pitchFamily="34" charset="-120"/>
-                <a:ea typeface="微軟正黑體" panose="020B0604030504040204" pitchFamily="34" charset="-120"/>
-              </a:rPr>
-              <a:t>LSTM</a:t>
-            </a:r>
-            <a:r>
-              <a:rPr lang="zh-TW" altLang="en-US" dirty="0" smtClean="0">
-                <a:solidFill>
-                  <a:schemeClr val="tx1"/>
-                </a:solidFill>
-                <a:latin typeface="微軟正黑體" panose="020B0604030504040204" pitchFamily="34" charset="-120"/>
-                <a:ea typeface="微軟正黑體" panose="020B0604030504040204" pitchFamily="34" charset="-120"/>
-              </a:rPr>
-              <a:t>的特性。以數字來看，能發現這項模型的準確率算高，也應證了</a:t>
-            </a:r>
-            <a:r>
-              <a:rPr lang="en-US" altLang="zh-TW" dirty="0" smtClean="0">
-                <a:solidFill>
-                  <a:schemeClr val="tx1"/>
-                </a:solidFill>
-                <a:latin typeface="微軟正黑體" panose="020B0604030504040204" pitchFamily="34" charset="-120"/>
-                <a:ea typeface="微軟正黑體" panose="020B0604030504040204" pitchFamily="34" charset="-120"/>
-              </a:rPr>
-              <a:t>LSTM</a:t>
-            </a:r>
-            <a:r>
-              <a:rPr lang="zh-TW" altLang="en-US" dirty="0" smtClean="0">
-                <a:solidFill>
-                  <a:schemeClr val="tx1"/>
-                </a:solidFill>
-                <a:latin typeface="微軟正黑體" panose="020B0604030504040204" pitchFamily="34" charset="-120"/>
-                <a:ea typeface="微軟正黑體" panose="020B0604030504040204" pitchFamily="34" charset="-120"/>
-              </a:rPr>
-              <a:t>能用來作自然語言處裡。</a:t>
+              <a:t>認為應該是模型還沒訓練完的原因造成。</a:t>
             </a:r>
             <a:endParaRPr lang="en-US" altLang="zh-TW" dirty="0" smtClean="0">
               <a:solidFill>
@@ -5553,50 +6633,45 @@
               <a:buNone/>
             </a:pPr>
             <a:r>
-              <a:rPr lang="zh-TW" altLang="en-US" b="1" dirty="0" smtClean="0">
+              <a:rPr lang="zh-TW" altLang="en-US" dirty="0">
                 <a:solidFill>
                   <a:schemeClr val="tx1"/>
                 </a:solidFill>
                 <a:latin typeface="微軟正黑體" panose="020B0604030504040204" pitchFamily="34" charset="-120"/>
                 <a:ea typeface="微軟正黑體" panose="020B0604030504040204" pitchFamily="34" charset="-120"/>
               </a:rPr>
-              <a:t>實驗二</a:t>
-            </a:r>
-            <a:r>
-              <a:rPr lang="en-US" altLang="zh-TW" b="1" dirty="0" smtClean="0">
+              <a:t>參數</a:t>
+            </a:r>
+            <a:r>
+              <a:rPr lang="zh-TW" altLang="en-US" dirty="0" smtClean="0">
                 <a:solidFill>
                   <a:schemeClr val="tx1"/>
                 </a:solidFill>
                 <a:latin typeface="微軟正黑體" panose="020B0604030504040204" pitchFamily="34" charset="-120"/>
                 <a:ea typeface="微軟正黑體" panose="020B0604030504040204" pitchFamily="34" charset="-120"/>
               </a:rPr>
-              <a:t>:</a:t>
-            </a:r>
-            <a:r>
-              <a:rPr lang="zh-TW" altLang="en-US" b="1" dirty="0" smtClean="0">
+              <a:t>差異的部分當我們使用</a:t>
+            </a:r>
+            <a:r>
+              <a:rPr lang="en-US" altLang="zh-TW" dirty="0" err="1">
                 <a:solidFill>
                   <a:schemeClr val="tx1"/>
                 </a:solidFill>
                 <a:latin typeface="微軟正黑體" panose="020B0604030504040204" pitchFamily="34" charset="-120"/>
                 <a:ea typeface="微軟正黑體" panose="020B0604030504040204" pitchFamily="34" charset="-120"/>
               </a:rPr>
-              <a:t>  </a:t>
-            </a:r>
-            <a:endParaRPr lang="en-US" altLang="zh-TW" b="1" dirty="0">
-              <a:solidFill>
-                <a:schemeClr val="tx1"/>
-              </a:solidFill>
-              <a:latin typeface="微軟正黑體" panose="020B0604030504040204" pitchFamily="34" charset="-120"/>
-              <a:ea typeface="微軟正黑體" panose="020B0604030504040204" pitchFamily="34" charset="-120"/>
-            </a:endParaRPr>
-          </a:p>
-          <a:p>
-            <a:pPr marL="0" indent="0" defTabSz="457200">
-              <a:lnSpc>
-                <a:spcPct val="150000"/>
-              </a:lnSpc>
-              <a:buNone/>
-            </a:pPr>
+              <a:t>learning_rate</a:t>
+            </a:r>
+            <a:r>
+              <a:rPr lang="zh-TW" altLang="en-US" dirty="0">
+                <a:solidFill>
+                  <a:schemeClr val="tx1"/>
+                </a:solidFill>
+                <a:latin typeface="微軟正黑體" panose="020B0604030504040204" pitchFamily="34" charset="-120"/>
+                <a:ea typeface="微軟正黑體" panose="020B0604030504040204" pitchFamily="34" charset="-120"/>
+              </a:rPr>
+              <a:t>較高</a:t>
+            </a:r>
             <a:r>
               <a:rPr lang="en-US" altLang="zh-TW" dirty="0">
                 <a:solidFill>
@@ -5605,7 +6680,67 @@
                 <a:latin typeface="微軟正黑體" panose="020B0604030504040204" pitchFamily="34" charset="-120"/>
                 <a:ea typeface="微軟正黑體" panose="020B0604030504040204" pitchFamily="34" charset="-120"/>
               </a:rPr>
-              <a:t>	</a:t>
+              <a:t> </a:t>
+            </a:r>
+            <a:r>
+              <a:rPr lang="en-US" altLang="zh-TW" dirty="0" err="1">
+                <a:solidFill>
+                  <a:schemeClr val="tx1"/>
+                </a:solidFill>
+                <a:latin typeface="微軟正黑體" panose="020B0604030504040204" pitchFamily="34" charset="-120"/>
+                <a:ea typeface="微軟正黑體" panose="020B0604030504040204" pitchFamily="34" charset="-120"/>
+              </a:rPr>
+              <a:t>grad_clip</a:t>
+            </a:r>
+            <a:r>
+              <a:rPr lang="en-US" altLang="zh-TW" dirty="0">
+                <a:solidFill>
+                  <a:schemeClr val="tx1"/>
+                </a:solidFill>
+                <a:latin typeface="微軟正黑體" panose="020B0604030504040204" pitchFamily="34" charset="-120"/>
+                <a:ea typeface="微軟正黑體" panose="020B0604030504040204" pitchFamily="34" charset="-120"/>
+              </a:rPr>
+              <a:t> </a:t>
+            </a:r>
+            <a:r>
+              <a:rPr lang="zh-TW" altLang="en-US" dirty="0">
+                <a:solidFill>
+                  <a:schemeClr val="tx1"/>
+                </a:solidFill>
+                <a:latin typeface="微軟正黑體" panose="020B0604030504040204" pitchFamily="34" charset="-120"/>
+                <a:ea typeface="微軟正黑體" panose="020B0604030504040204" pitchFamily="34" charset="-120"/>
+              </a:rPr>
+              <a:t>較高</a:t>
+            </a:r>
+            <a:r>
+              <a:rPr lang="en-US" altLang="zh-TW" dirty="0">
+                <a:solidFill>
+                  <a:schemeClr val="tx1"/>
+                </a:solidFill>
+                <a:latin typeface="微軟正黑體" panose="020B0604030504040204" pitchFamily="34" charset="-120"/>
+                <a:ea typeface="微軟正黑體" panose="020B0604030504040204" pitchFamily="34" charset="-120"/>
+              </a:rPr>
+              <a:t> </a:t>
+            </a:r>
+            <a:r>
+              <a:rPr lang="en-US" altLang="zh-TW" dirty="0" err="1">
+                <a:solidFill>
+                  <a:schemeClr val="tx1"/>
+                </a:solidFill>
+                <a:latin typeface="微軟正黑體" panose="020B0604030504040204" pitchFamily="34" charset="-120"/>
+                <a:ea typeface="微軟正黑體" panose="020B0604030504040204" pitchFamily="34" charset="-120"/>
+              </a:rPr>
+              <a:t>decay_rate</a:t>
+            </a:r>
+            <a:r>
+              <a:rPr lang="zh-TW" altLang="en-US" dirty="0">
+                <a:solidFill>
+                  <a:schemeClr val="tx1"/>
+                </a:solidFill>
+                <a:latin typeface="微軟正黑體" panose="020B0604030504040204" pitchFamily="34" charset="-120"/>
+                <a:ea typeface="微軟正黑體" panose="020B0604030504040204" pitchFamily="34" charset="-120"/>
+              </a:rPr>
+              <a:t>較</a:t>
             </a:r>
             <a:r>
               <a:rPr lang="zh-TW" altLang="en-US" dirty="0" smtClean="0">
@@ -5615,7 +6750,21 @@
                 <a:latin typeface="微軟正黑體" panose="020B0604030504040204" pitchFamily="34" charset="-120"/>
                 <a:ea typeface="微軟正黑體" panose="020B0604030504040204" pitchFamily="34" charset="-120"/>
               </a:rPr>
-              <a:t>如同</a:t>
+              <a:t>低時，跑出的</a:t>
+            </a:r>
+            <a:r>
+              <a:rPr lang="en-US" altLang="zh-TW" dirty="0" err="1"/>
+              <a:t>valid_mean_err</a:t>
+            </a:r>
+            <a:r>
+              <a:rPr lang="zh-TW" altLang="en-US" dirty="0" smtClean="0">
+                <a:solidFill>
+                  <a:schemeClr val="tx1"/>
+                </a:solidFill>
+                <a:latin typeface="微軟正黑體" panose="020B0604030504040204" pitchFamily="34" charset="-120"/>
+                <a:ea typeface="微軟正黑體" panose="020B0604030504040204" pitchFamily="34" charset="-120"/>
+              </a:rPr>
+              <a:t>較高，但因為最後的</a:t>
             </a:r>
             <a:r>
               <a:rPr lang="en-US" altLang="zh-TW" dirty="0" smtClean="0">
@@ -5625,7 +6774,7 @@
                 <a:latin typeface="微軟正黑體" panose="020B0604030504040204" pitchFamily="34" charset="-120"/>
                 <a:ea typeface="微軟正黑體" panose="020B0604030504040204" pitchFamily="34" charset="-120"/>
               </a:rPr>
-              <a:t>LSTM</a:t>
+              <a:t>loss</a:t>
             </a:r>
             <a:r>
               <a:rPr lang="zh-TW" altLang="en-US" dirty="0" smtClean="0">
@@ -5635,64 +6784,9 @@
                 <a:latin typeface="微軟正黑體" panose="020B0604030504040204" pitchFamily="34" charset="-120"/>
                 <a:ea typeface="微軟正黑體" panose="020B0604030504040204" pitchFamily="34" charset="-120"/>
               </a:rPr>
-              <a:t>特性，從</a:t>
-            </a:r>
-            <a:r>
-              <a:rPr lang="zh-TW" altLang="en-US" dirty="0">
-                <a:solidFill>
-                  <a:schemeClr val="tx1"/>
-                </a:solidFill>
-                <a:latin typeface="微軟正黑體" panose="020B0604030504040204" pitchFamily="34" charset="-120"/>
-                <a:ea typeface="微軟正黑體" panose="020B0604030504040204" pitchFamily="34" charset="-120"/>
-              </a:rPr>
-              <a:t>折線圖</a:t>
-            </a:r>
-            <a:r>
-              <a:rPr lang="zh-TW" altLang="en-US" dirty="0" smtClean="0">
-                <a:solidFill>
-                  <a:schemeClr val="tx1"/>
-                </a:solidFill>
-                <a:latin typeface="微軟正黑體" panose="020B0604030504040204" pitchFamily="34" charset="-120"/>
-                <a:ea typeface="微軟正黑體" panose="020B0604030504040204" pitchFamily="34" charset="-120"/>
-              </a:rPr>
-              <a:t>中我們能觀察到預測的趨勢和驗證集大致相同，因此可以用</a:t>
-            </a:r>
-            <a:r>
-              <a:rPr lang="en-US" altLang="zh-TW" dirty="0" smtClean="0">
-                <a:solidFill>
-                  <a:schemeClr val="tx1"/>
-                </a:solidFill>
-                <a:latin typeface="微軟正黑體" panose="020B0604030504040204" pitchFamily="34" charset="-120"/>
-                <a:ea typeface="微軟正黑體" panose="020B0604030504040204" pitchFamily="34" charset="-120"/>
-              </a:rPr>
-              <a:t>LSTM</a:t>
-            </a:r>
-            <a:r>
-              <a:rPr lang="zh-TW" altLang="en-US" dirty="0" smtClean="0">
-                <a:solidFill>
-                  <a:schemeClr val="tx1"/>
-                </a:solidFill>
-                <a:latin typeface="微軟正黑體" panose="020B0604030504040204" pitchFamily="34" charset="-120"/>
-                <a:ea typeface="微軟正黑體" panose="020B0604030504040204" pitchFamily="34" charset="-120"/>
-              </a:rPr>
-              <a:t>來做有時間性質的預測，像是這裡使用的股市就是很好的例子。</a:t>
-            </a:r>
-            <a:endParaRPr lang="zh-TW" altLang="en-US" dirty="0">
-              <a:solidFill>
-                <a:schemeClr val="tx1"/>
-              </a:solidFill>
-              <a:latin typeface="微軟正黑體" panose="020B0604030504040204" pitchFamily="34" charset="-120"/>
-              <a:ea typeface="微軟正黑體" panose="020B0604030504040204" pitchFamily="34" charset="-120"/>
-            </a:endParaRPr>
-          </a:p>
-          <a:p>
-            <a:pPr marL="0" indent="0" defTabSz="457200">
-              <a:lnSpc>
-                <a:spcPct val="150000"/>
-              </a:lnSpc>
-              <a:buNone/>
-            </a:pPr>
-            <a:endParaRPr lang="zh-TW" altLang="en-US" dirty="0">
+              <a:t>看起來較正常，我們還是選用此訓練結果。</a:t>
+            </a:r>
+            <a:endParaRPr lang="en-US" altLang="zh-TW" dirty="0" smtClean="0">
               <a:solidFill>
                 <a:schemeClr val="tx1"/>
               </a:solidFill>
